--- a/Duck_Curve_한국공학대학교.pptx
+++ b/Duck_Curve_한국공학대학교.pptx
@@ -29,8 +29,8 @@
     <p:sldId id="540" r:id="rId17"/>
     <p:sldId id="545" r:id="rId18"/>
     <p:sldId id="537" r:id="rId19"/>
-    <p:sldId id="546" r:id="rId20"/>
-    <p:sldId id="419" r:id="rId21"/>
+    <p:sldId id="419" r:id="rId20"/>
+    <p:sldId id="546" r:id="rId21"/>
   </p:sldIdLst>
   <p:sldSz cx="9144000" cy="6858000" type="screen4x3"/>
   <p:notesSz cx="6858000" cy="9144000"/>
@@ -234,7 +234,7 @@
             <a:fld id="{EF2951C3-6EEA-4547-818D-1DA3293C2F9A}" type="datetimeFigureOut">
               <a:rPr lang="ko-KR" altLang="en-US" smtClean="0"/>
               <a:pPr/>
-              <a:t>2022-11-25</a:t>
+              <a:t>2022-11-29</a:t>
             </a:fld>
             <a:endParaRPr lang="ko-KR" altLang="en-US"/>
           </a:p>
@@ -401,7 +401,7 @@
             <a:fld id="{66AA3C5E-2B08-46A0-9C38-67F8BC19A4E5}" type="datetimeFigureOut">
               <a:rPr lang="ko-KR" altLang="en-US" smtClean="0"/>
               <a:pPr/>
-              <a:t>2022-11-25</a:t>
+              <a:t>2022-11-29</a:t>
             </a:fld>
             <a:endParaRPr lang="ko-KR" altLang="en-US"/>
           </a:p>
@@ -818,6 +818,1514 @@
 </p:notes>
 </file>
 
+<file path=ppt/notesSlides/notesSlide10.xml><?xml version="1.0" encoding="utf-8"?>
+<p:notes xmlns:a="http://schemas.openxmlformats.org/drawingml/2006/main" xmlns:r="http://schemas.openxmlformats.org/officeDocument/2006/relationships" xmlns:p="http://schemas.openxmlformats.org/presentationml/2006/main">
+  <p:cSld>
+    <p:spTree>
+      <p:nvGrpSpPr>
+        <p:cNvPr id="1" name=""/>
+        <p:cNvGrpSpPr/>
+        <p:nvPr/>
+      </p:nvGrpSpPr>
+      <p:grpSpPr>
+        <a:xfrm>
+          <a:off x="0" y="0"/>
+          <a:ext cx="0" cy="0"/>
+          <a:chOff x="0" y="0"/>
+          <a:chExt cx="0" cy="0"/>
+        </a:xfrm>
+      </p:grpSpPr>
+      <p:sp>
+        <p:nvSpPr>
+          <p:cNvPr id="2" name="슬라이드 이미지 개체 틀 1"/>
+          <p:cNvSpPr>
+            <a:spLocks noGrp="1" noRot="1" noChangeAspect="1"/>
+          </p:cNvSpPr>
+          <p:nvPr>
+            <p:ph type="sldImg"/>
+          </p:nvPr>
+        </p:nvSpPr>
+        <p:spPr>
+          <a:xfrm>
+            <a:off x="1371600" y="1143000"/>
+            <a:ext cx="4114800" cy="3086100"/>
+          </a:xfrm>
+        </p:spPr>
+      </p:sp>
+      <p:sp>
+        <p:nvSpPr>
+          <p:cNvPr id="3" name="슬라이드 노트 개체 틀 2"/>
+          <p:cNvSpPr>
+            <a:spLocks noGrp="1"/>
+          </p:cNvSpPr>
+          <p:nvPr>
+            <p:ph type="body" idx="1"/>
+          </p:nvPr>
+        </p:nvSpPr>
+        <p:spPr/>
+        <p:txBody>
+          <a:bodyPr/>
+          <a:lstStyle/>
+          <a:p>
+            <a:endParaRPr lang="ko-KR" altLang="en-US" dirty="0"/>
+          </a:p>
+        </p:txBody>
+      </p:sp>
+      <p:sp>
+        <p:nvSpPr>
+          <p:cNvPr id="4" name="슬라이드 번호 개체 틀 3"/>
+          <p:cNvSpPr>
+            <a:spLocks noGrp="1"/>
+          </p:cNvSpPr>
+          <p:nvPr>
+            <p:ph type="sldNum" sz="quarter" idx="10"/>
+          </p:nvPr>
+        </p:nvSpPr>
+        <p:spPr/>
+        <p:txBody>
+          <a:bodyPr/>
+          <a:lstStyle/>
+          <a:p>
+            <a:pPr marL="0" marR="0" lvl="0" indent="0" algn="r" defTabSz="914400" rtl="0" eaLnBrk="1" fontAlgn="auto" latinLnBrk="1" hangingPunct="1">
+              <a:lnSpc>
+                <a:spcPct val="100000"/>
+              </a:lnSpc>
+              <a:spcBef>
+                <a:spcPts val="0"/>
+              </a:spcBef>
+              <a:spcAft>
+                <a:spcPts val="0"/>
+              </a:spcAft>
+              <a:buClrTx/>
+              <a:buSzTx/>
+              <a:buFontTx/>
+              <a:buNone/>
+              <a:tabLst/>
+              <a:defRPr/>
+            </a:pPr>
+            <a:fld id="{C645BA3C-DA23-49EC-9B6B-FA5869968DF6}" type="slidenum">
+              <a:rPr kumimoji="0" lang="ko-KR" altLang="en-US" sz="1200" b="0" i="0" u="none" strike="noStrike" kern="1200" cap="none" spc="0" normalizeH="0" baseline="0" noProof="0" smtClean="0">
+                <a:ln>
+                  <a:noFill/>
+                </a:ln>
+                <a:solidFill>
+                  <a:prstClr val="black"/>
+                </a:solidFill>
+                <a:effectLst/>
+                <a:uLnTx/>
+                <a:uFillTx/>
+                <a:latin typeface="맑은 고딕"/>
+                <a:ea typeface="맑은 고딕" panose="020B0503020000020004" pitchFamily="50" charset="-127"/>
+                <a:cs typeface="+mn-cs"/>
+              </a:rPr>
+              <a:pPr marL="0" marR="0" lvl="0" indent="0" algn="r" defTabSz="914400" rtl="0" eaLnBrk="1" fontAlgn="auto" latinLnBrk="1" hangingPunct="1">
+                <a:lnSpc>
+                  <a:spcPct val="100000"/>
+                </a:lnSpc>
+                <a:spcBef>
+                  <a:spcPts val="0"/>
+                </a:spcBef>
+                <a:spcAft>
+                  <a:spcPts val="0"/>
+                </a:spcAft>
+                <a:buClrTx/>
+                <a:buSzTx/>
+                <a:buFontTx/>
+                <a:buNone/>
+                <a:tabLst/>
+                <a:defRPr/>
+              </a:pPr>
+              <a:t>11</a:t>
+            </a:fld>
+            <a:endParaRPr kumimoji="0" lang="ko-KR" altLang="en-US" sz="1200" b="0" i="0" u="none" strike="noStrike" kern="1200" cap="none" spc="0" normalizeH="0" baseline="0" noProof="0">
+              <a:ln>
+                <a:noFill/>
+              </a:ln>
+              <a:solidFill>
+                <a:prstClr val="black"/>
+              </a:solidFill>
+              <a:effectLst/>
+              <a:uLnTx/>
+              <a:uFillTx/>
+              <a:latin typeface="맑은 고딕"/>
+              <a:ea typeface="맑은 고딕" panose="020B0503020000020004" pitchFamily="50" charset="-127"/>
+              <a:cs typeface="+mn-cs"/>
+            </a:endParaRPr>
+          </a:p>
+        </p:txBody>
+      </p:sp>
+    </p:spTree>
+    <p:extLst>
+      <p:ext uri="{BB962C8B-B14F-4D97-AF65-F5344CB8AC3E}">
+        <p14:creationId xmlns:p14="http://schemas.microsoft.com/office/powerpoint/2010/main" val="1788472962"/>
+      </p:ext>
+    </p:extLst>
+  </p:cSld>
+  <p:clrMapOvr>
+    <a:masterClrMapping/>
+  </p:clrMapOvr>
+</p:notes>
+</file>
+
+<file path=ppt/notesSlides/notesSlide11.xml><?xml version="1.0" encoding="utf-8"?>
+<p:notes xmlns:a="http://schemas.openxmlformats.org/drawingml/2006/main" xmlns:r="http://schemas.openxmlformats.org/officeDocument/2006/relationships" xmlns:p="http://schemas.openxmlformats.org/presentationml/2006/main">
+  <p:cSld>
+    <p:spTree>
+      <p:nvGrpSpPr>
+        <p:cNvPr id="1" name=""/>
+        <p:cNvGrpSpPr/>
+        <p:nvPr/>
+      </p:nvGrpSpPr>
+      <p:grpSpPr>
+        <a:xfrm>
+          <a:off x="0" y="0"/>
+          <a:ext cx="0" cy="0"/>
+          <a:chOff x="0" y="0"/>
+          <a:chExt cx="0" cy="0"/>
+        </a:xfrm>
+      </p:grpSpPr>
+      <p:sp>
+        <p:nvSpPr>
+          <p:cNvPr id="2" name="슬라이드 이미지 개체 틀 1"/>
+          <p:cNvSpPr>
+            <a:spLocks noGrp="1" noRot="1" noChangeAspect="1"/>
+          </p:cNvSpPr>
+          <p:nvPr>
+            <p:ph type="sldImg"/>
+          </p:nvPr>
+        </p:nvSpPr>
+        <p:spPr/>
+      </p:sp>
+      <p:sp>
+        <p:nvSpPr>
+          <p:cNvPr id="3" name="슬라이드 노트 개체 틀 2"/>
+          <p:cNvSpPr>
+            <a:spLocks noGrp="1"/>
+          </p:cNvSpPr>
+          <p:nvPr>
+            <p:ph type="body" idx="1"/>
+          </p:nvPr>
+        </p:nvSpPr>
+        <p:spPr/>
+        <p:txBody>
+          <a:bodyPr/>
+          <a:lstStyle/>
+          <a:p>
+            <a:r>
+              <a:rPr lang="ko-KR" altLang="en-US" dirty="0"/>
+              <a:t>활용 모델은 모두 </a:t>
+            </a:r>
+            <a:r>
+              <a:rPr lang="en-US" altLang="ko-KR" dirty="0"/>
+              <a:t>Boosting </a:t>
+            </a:r>
+            <a:r>
+              <a:rPr lang="ko-KR" altLang="en-US" dirty="0"/>
+              <a:t>모델을 사용하였으며</a:t>
+            </a:r>
+            <a:r>
+              <a:rPr lang="en-US" altLang="ko-KR" dirty="0"/>
+              <a:t>, </a:t>
+            </a:r>
+            <a:r>
+              <a:rPr lang="en-US" altLang="ko-KR" dirty="0" err="1"/>
+              <a:t>mtemp</a:t>
+            </a:r>
+            <a:r>
+              <a:rPr lang="ko-KR" altLang="en-US" dirty="0"/>
+              <a:t>를 제외한 발전량과 일사량은 모두</a:t>
+            </a:r>
+            <a:r>
+              <a:rPr lang="en-US" altLang="ko-KR" dirty="0"/>
+              <a:t> </a:t>
+            </a:r>
+            <a:r>
+              <a:rPr lang="en-US" altLang="ko-KR" dirty="0" err="1"/>
+              <a:t>Adaboost</a:t>
+            </a:r>
+            <a:r>
+              <a:rPr lang="en-US" altLang="ko-KR" dirty="0"/>
+              <a:t> Regression </a:t>
+            </a:r>
+            <a:r>
+              <a:rPr lang="ko-KR" altLang="en-US" dirty="0"/>
+              <a:t>모델을 사용하였습니다</a:t>
+            </a:r>
+            <a:r>
+              <a:rPr lang="en-US" altLang="ko-KR" dirty="0"/>
+              <a:t>. </a:t>
+            </a:r>
+            <a:r>
+              <a:rPr lang="en-US" altLang="ko-KR" dirty="0" err="1"/>
+              <a:t>XGBoost</a:t>
+            </a:r>
+            <a:r>
+              <a:rPr lang="en-US" altLang="ko-KR" dirty="0"/>
+              <a:t>,</a:t>
+            </a:r>
+            <a:r>
+              <a:rPr lang="ko-KR" altLang="en-US" dirty="0"/>
+              <a:t> </a:t>
+            </a:r>
+            <a:r>
+              <a:rPr lang="en-US" altLang="ko-KR" dirty="0"/>
+              <a:t>AdaBoost Regression </a:t>
+            </a:r>
+            <a:r>
+              <a:rPr lang="ko-KR" altLang="en-US" dirty="0"/>
+              <a:t>모델은 대표적인 앙상블 </a:t>
+            </a:r>
+            <a:r>
+              <a:rPr lang="en-US" altLang="ko-KR" dirty="0"/>
+              <a:t>ML </a:t>
+            </a:r>
+            <a:r>
+              <a:rPr lang="ko-KR" altLang="en-US" dirty="0"/>
+              <a:t>기법으로 </a:t>
+            </a:r>
+            <a:r>
+              <a:rPr lang="ko-KR" altLang="en-US" dirty="0" err="1"/>
+              <a:t>과적합</a:t>
+            </a:r>
+            <a:r>
+              <a:rPr lang="ko-KR" altLang="en-US" dirty="0"/>
+              <a:t> 문제에 강건한 특성을 가지며</a:t>
+            </a:r>
+            <a:r>
+              <a:rPr lang="en-US" altLang="ko-KR" dirty="0"/>
+              <a:t>, </a:t>
+            </a:r>
+            <a:r>
+              <a:rPr lang="ko-KR" altLang="en-US" dirty="0"/>
+              <a:t>안정적인 예측이 중요한 태양광 발전량 예측 문제에 적합하여 사용했습니다</a:t>
+            </a:r>
+            <a:r>
+              <a:rPr lang="en-US" altLang="ko-KR" dirty="0"/>
+              <a:t>. Hyper Parameter tuning</a:t>
+            </a:r>
+            <a:r>
+              <a:rPr lang="ko-KR" altLang="en-US" dirty="0"/>
+              <a:t>은 </a:t>
+            </a:r>
+            <a:r>
+              <a:rPr lang="en-US" altLang="ko-KR" dirty="0"/>
+              <a:t>Grid Search</a:t>
+            </a:r>
+            <a:r>
+              <a:rPr lang="ko-KR" altLang="en-US" dirty="0"/>
+              <a:t>를 통해 </a:t>
+            </a:r>
+            <a:r>
+              <a:rPr lang="en-US" altLang="ko-KR" dirty="0"/>
+              <a:t>Rank</a:t>
+            </a:r>
+            <a:r>
+              <a:rPr lang="ko-KR" altLang="en-US" dirty="0"/>
+              <a:t>가 높은 것으로 적용하였습니다</a:t>
+            </a:r>
+            <a:r>
+              <a:rPr lang="en-US" altLang="ko-KR" dirty="0"/>
+              <a:t>.</a:t>
+            </a:r>
+            <a:endParaRPr lang="ko-KR" altLang="en-US" dirty="0"/>
+          </a:p>
+        </p:txBody>
+      </p:sp>
+      <p:sp>
+        <p:nvSpPr>
+          <p:cNvPr id="4" name="슬라이드 번호 개체 틀 3"/>
+          <p:cNvSpPr>
+            <a:spLocks noGrp="1"/>
+          </p:cNvSpPr>
+          <p:nvPr>
+            <p:ph type="sldNum" sz="quarter" idx="5"/>
+          </p:nvPr>
+        </p:nvSpPr>
+        <p:spPr/>
+        <p:txBody>
+          <a:bodyPr/>
+          <a:lstStyle/>
+          <a:p>
+            <a:fld id="{E33C9B0B-249D-456B-B735-3DD074CBA183}" type="slidenum">
+              <a:rPr lang="ko-KR" altLang="en-US" smtClean="0"/>
+              <a:pPr/>
+              <a:t>12</a:t>
+            </a:fld>
+            <a:endParaRPr lang="ko-KR" altLang="en-US"/>
+          </a:p>
+        </p:txBody>
+      </p:sp>
+    </p:spTree>
+    <p:extLst>
+      <p:ext uri="{BB962C8B-B14F-4D97-AF65-F5344CB8AC3E}">
+        <p14:creationId xmlns:p14="http://schemas.microsoft.com/office/powerpoint/2010/main" val="3740607390"/>
+      </p:ext>
+    </p:extLst>
+  </p:cSld>
+  <p:clrMapOvr>
+    <a:masterClrMapping/>
+  </p:clrMapOvr>
+</p:notes>
+</file>
+
+<file path=ppt/notesSlides/notesSlide12.xml><?xml version="1.0" encoding="utf-8"?>
+<p:notes xmlns:a="http://schemas.openxmlformats.org/drawingml/2006/main" xmlns:r="http://schemas.openxmlformats.org/officeDocument/2006/relationships" xmlns:p="http://schemas.openxmlformats.org/presentationml/2006/main">
+  <p:cSld>
+    <p:spTree>
+      <p:nvGrpSpPr>
+        <p:cNvPr id="1" name=""/>
+        <p:cNvGrpSpPr/>
+        <p:nvPr/>
+      </p:nvGrpSpPr>
+      <p:grpSpPr>
+        <a:xfrm>
+          <a:off x="0" y="0"/>
+          <a:ext cx="0" cy="0"/>
+          <a:chOff x="0" y="0"/>
+          <a:chExt cx="0" cy="0"/>
+        </a:xfrm>
+      </p:grpSpPr>
+      <p:sp>
+        <p:nvSpPr>
+          <p:cNvPr id="2" name="슬라이드 이미지 개체 틀 1"/>
+          <p:cNvSpPr>
+            <a:spLocks noGrp="1" noRot="1" noChangeAspect="1"/>
+          </p:cNvSpPr>
+          <p:nvPr>
+            <p:ph type="sldImg"/>
+          </p:nvPr>
+        </p:nvSpPr>
+        <p:spPr/>
+      </p:sp>
+      <p:sp>
+        <p:nvSpPr>
+          <p:cNvPr id="3" name="슬라이드 노트 개체 틀 2"/>
+          <p:cNvSpPr>
+            <a:spLocks noGrp="1"/>
+          </p:cNvSpPr>
+          <p:nvPr>
+            <p:ph type="body" idx="1"/>
+          </p:nvPr>
+        </p:nvSpPr>
+        <p:spPr/>
+        <p:txBody>
+          <a:bodyPr/>
+          <a:lstStyle/>
+          <a:p>
+            <a:r>
+              <a:rPr lang="en-US" altLang="ko-KR" dirty="0"/>
+              <a:t>2</a:t>
+            </a:r>
+            <a:r>
+              <a:rPr lang="ko-KR" altLang="en-US" dirty="0"/>
+              <a:t>번 발전소와 </a:t>
+            </a:r>
+            <a:r>
+              <a:rPr lang="en-US" altLang="ko-KR" dirty="0"/>
+              <a:t>8</a:t>
+            </a:r>
+            <a:r>
+              <a:rPr lang="ko-KR" altLang="en-US" dirty="0"/>
+              <a:t>번 발전소의 발전량을 각각 과거 기상 데이터로 학습하고 예보 데이터로 예측하였고</a:t>
+            </a:r>
+            <a:r>
+              <a:rPr lang="en-US" altLang="ko-KR" dirty="0"/>
+              <a:t>,</a:t>
+            </a:r>
+            <a:r>
+              <a:rPr lang="ko-KR" altLang="en-US" dirty="0"/>
+              <a:t> 광명시 발전소는 모듈 표면온도와 일사량의 </a:t>
+            </a:r>
+            <a:r>
+              <a:rPr lang="ko-KR" altLang="en-US" dirty="0" err="1"/>
+              <a:t>예측값을</a:t>
+            </a:r>
+            <a:r>
+              <a:rPr lang="ko-KR" altLang="en-US" dirty="0"/>
+              <a:t> 활용하여 발전량을 예측하였습니다</a:t>
+            </a:r>
+            <a:r>
+              <a:rPr lang="en-US" altLang="ko-KR" dirty="0"/>
+              <a:t>.</a:t>
+            </a:r>
+          </a:p>
+          <a:p>
+            <a:r>
+              <a:rPr lang="ko-KR" altLang="en-US" dirty="0"/>
+              <a:t>이렇게 나온 </a:t>
+            </a:r>
+            <a:r>
+              <a:rPr lang="en-US" altLang="ko-KR" dirty="0"/>
+              <a:t>3</a:t>
+            </a:r>
+            <a:r>
+              <a:rPr lang="ko-KR" altLang="en-US" dirty="0"/>
+              <a:t>개의 발전량을 동일한 가중치로 반영하여 평균을 구하여 하나의 </a:t>
+            </a:r>
+            <a:r>
+              <a:rPr lang="ko-KR" altLang="en-US" dirty="0" err="1"/>
+              <a:t>예측값으로</a:t>
+            </a:r>
+            <a:r>
+              <a:rPr lang="ko-KR" altLang="en-US" dirty="0"/>
+              <a:t> 만들었습니다</a:t>
+            </a:r>
+            <a:r>
+              <a:rPr lang="en-US" altLang="ko-KR" dirty="0"/>
+              <a:t>.</a:t>
+            </a:r>
+            <a:endParaRPr lang="ko-KR" altLang="en-US" dirty="0"/>
+          </a:p>
+        </p:txBody>
+      </p:sp>
+      <p:sp>
+        <p:nvSpPr>
+          <p:cNvPr id="4" name="슬라이드 번호 개체 틀 3"/>
+          <p:cNvSpPr>
+            <a:spLocks noGrp="1"/>
+          </p:cNvSpPr>
+          <p:nvPr>
+            <p:ph type="sldNum" sz="quarter" idx="5"/>
+          </p:nvPr>
+        </p:nvSpPr>
+        <p:spPr/>
+        <p:txBody>
+          <a:bodyPr/>
+          <a:lstStyle/>
+          <a:p>
+            <a:fld id="{E33C9B0B-249D-456B-B735-3DD074CBA183}" type="slidenum">
+              <a:rPr lang="ko-KR" altLang="en-US" smtClean="0"/>
+              <a:pPr/>
+              <a:t>13</a:t>
+            </a:fld>
+            <a:endParaRPr lang="ko-KR" altLang="en-US"/>
+          </a:p>
+        </p:txBody>
+      </p:sp>
+    </p:spTree>
+    <p:extLst>
+      <p:ext uri="{BB962C8B-B14F-4D97-AF65-F5344CB8AC3E}">
+        <p14:creationId xmlns:p14="http://schemas.microsoft.com/office/powerpoint/2010/main" val="2088396993"/>
+      </p:ext>
+    </p:extLst>
+  </p:cSld>
+  <p:clrMapOvr>
+    <a:masterClrMapping/>
+  </p:clrMapOvr>
+</p:notes>
+</file>
+
+<file path=ppt/notesSlides/notesSlide13.xml><?xml version="1.0" encoding="utf-8"?>
+<p:notes xmlns:a="http://schemas.openxmlformats.org/drawingml/2006/main" xmlns:r="http://schemas.openxmlformats.org/officeDocument/2006/relationships" xmlns:p="http://schemas.openxmlformats.org/presentationml/2006/main">
+  <p:cSld>
+    <p:spTree>
+      <p:nvGrpSpPr>
+        <p:cNvPr id="1" name=""/>
+        <p:cNvGrpSpPr/>
+        <p:nvPr/>
+      </p:nvGrpSpPr>
+      <p:grpSpPr>
+        <a:xfrm>
+          <a:off x="0" y="0"/>
+          <a:ext cx="0" cy="0"/>
+          <a:chOff x="0" y="0"/>
+          <a:chExt cx="0" cy="0"/>
+        </a:xfrm>
+      </p:grpSpPr>
+      <p:sp>
+        <p:nvSpPr>
+          <p:cNvPr id="2" name="슬라이드 이미지 개체 틀 1"/>
+          <p:cNvSpPr>
+            <a:spLocks noGrp="1" noRot="1" noChangeAspect="1"/>
+          </p:cNvSpPr>
+          <p:nvPr>
+            <p:ph type="sldImg"/>
+          </p:nvPr>
+        </p:nvSpPr>
+        <p:spPr/>
+      </p:sp>
+      <p:sp>
+        <p:nvSpPr>
+          <p:cNvPr id="3" name="슬라이드 노트 개체 틀 2"/>
+          <p:cNvSpPr>
+            <a:spLocks noGrp="1"/>
+          </p:cNvSpPr>
+          <p:nvPr>
+            <p:ph type="body" idx="1"/>
+          </p:nvPr>
+        </p:nvSpPr>
+        <p:spPr/>
+        <p:txBody>
+          <a:bodyPr/>
+          <a:lstStyle/>
+          <a:p>
+            <a:r>
+              <a:rPr lang="ko-KR" altLang="en-US" dirty="0"/>
+              <a:t>태양광 발전 공식은 </a:t>
+            </a:r>
+            <a:r>
+              <a:rPr lang="en-US" altLang="ko-KR" dirty="0"/>
+              <a:t>Capacity</a:t>
+            </a:r>
+            <a:r>
+              <a:rPr lang="ko-KR" altLang="en-US" dirty="0"/>
+              <a:t>와 일사량</a:t>
+            </a:r>
+            <a:r>
+              <a:rPr lang="en-US" altLang="ko-KR" dirty="0"/>
+              <a:t>, </a:t>
+            </a:r>
+            <a:r>
+              <a:rPr lang="ko-KR" altLang="en-US" dirty="0"/>
+              <a:t>일조량에 비례하여 증가하고 있습니다</a:t>
+            </a:r>
+            <a:r>
+              <a:rPr lang="en-US" altLang="ko-KR" dirty="0"/>
+              <a:t>.</a:t>
+            </a:r>
+          </a:p>
+          <a:p>
+            <a:endParaRPr lang="en-US" altLang="ko-KR" dirty="0"/>
+          </a:p>
+          <a:p>
+            <a:r>
+              <a:rPr lang="ko-KR" altLang="en-US" dirty="0"/>
+              <a:t>기존 선행연구를 보면 </a:t>
+            </a:r>
+            <a:r>
+              <a:rPr lang="en-US" altLang="ko-KR" dirty="0"/>
+              <a:t>LSTM, ARIMA</a:t>
+            </a:r>
+            <a:r>
+              <a:rPr lang="ko-KR" altLang="en-US" dirty="0"/>
+              <a:t>등 </a:t>
+            </a:r>
+            <a:r>
+              <a:rPr lang="en-US" altLang="ko-KR" dirty="0"/>
+              <a:t>Time Series Analysis</a:t>
+            </a:r>
+            <a:r>
+              <a:rPr lang="ko-KR" altLang="en-US" dirty="0"/>
+              <a:t>를 통해 태양광 발전량을 예측하는 연구가 많이 존재하고 있습니다</a:t>
+            </a:r>
+            <a:r>
+              <a:rPr lang="en-US" altLang="ko-KR" dirty="0"/>
+              <a:t>.</a:t>
+            </a:r>
+          </a:p>
+          <a:p>
+            <a:endParaRPr lang="en-US" altLang="ko-KR" dirty="0"/>
+          </a:p>
+          <a:p>
+            <a:r>
+              <a:rPr lang="ko-KR" altLang="en-US" dirty="0"/>
+              <a:t>하지만 </a:t>
+            </a:r>
+            <a:r>
+              <a:rPr lang="en-US" altLang="ko-KR" dirty="0"/>
+              <a:t>EDA</a:t>
+            </a:r>
+            <a:r>
+              <a:rPr lang="ko-KR" altLang="en-US" dirty="0"/>
+              <a:t>를 진행하며 </a:t>
+            </a:r>
+            <a:r>
+              <a:rPr lang="en-US" altLang="ko-KR" dirty="0"/>
+              <a:t>Amount</a:t>
+            </a:r>
+            <a:r>
+              <a:rPr lang="ko-KR" altLang="en-US" dirty="0"/>
+              <a:t>와 관련이 높은 변수들을 확인할 수 있었으며</a:t>
+            </a:r>
+            <a:r>
+              <a:rPr lang="en-US" altLang="ko-KR" dirty="0"/>
+              <a:t>, </a:t>
+            </a:r>
+            <a:r>
+              <a:rPr lang="ko-KR" altLang="en-US" dirty="0"/>
+              <a:t>직접적으로 태양광 발전 공식의 두 변수 값이 모두 </a:t>
+            </a:r>
+            <a:r>
+              <a:rPr lang="en-US" altLang="ko-KR" dirty="0"/>
+              <a:t>Data set</a:t>
+            </a:r>
+            <a:r>
+              <a:rPr lang="ko-KR" altLang="en-US" dirty="0"/>
+              <a:t>으로 제공되었으므로 </a:t>
+            </a:r>
+            <a:r>
+              <a:rPr lang="ko-KR" altLang="en-US" dirty="0" err="1"/>
+              <a:t>다변량</a:t>
+            </a:r>
+            <a:r>
+              <a:rPr lang="ko-KR" altLang="en-US" dirty="0"/>
+              <a:t> 분석을 진행하는 것이 </a:t>
+            </a:r>
+            <a:r>
+              <a:rPr lang="en-US" altLang="ko-KR" dirty="0"/>
+              <a:t>Error</a:t>
+            </a:r>
+            <a:r>
+              <a:rPr lang="ko-KR" altLang="en-US" dirty="0"/>
+              <a:t>값을 줄일 수 있는 방안이라고 생각했습니다</a:t>
+            </a:r>
+            <a:r>
+              <a:rPr lang="en-US" altLang="ko-KR" dirty="0"/>
+              <a:t>.</a:t>
+            </a:r>
+          </a:p>
+          <a:p>
+            <a:endParaRPr lang="en-US" altLang="ko-KR" dirty="0"/>
+          </a:p>
+          <a:p>
+            <a:r>
+              <a:rPr lang="ko-KR" altLang="en-US" dirty="0"/>
+              <a:t>그러나 현재 데이터 기준으로 측정을 할 때 </a:t>
+            </a:r>
+            <a:r>
+              <a:rPr lang="ko-KR" altLang="en-US" dirty="0" err="1"/>
+              <a:t>다변량을</a:t>
+            </a:r>
+            <a:r>
+              <a:rPr lang="ko-KR" altLang="en-US" dirty="0"/>
+              <a:t> 이용하였지만 이럴 경우 추후에 오차가 생기게 됩니다</a:t>
+            </a:r>
+            <a:r>
+              <a:rPr lang="en-US" altLang="ko-KR" dirty="0"/>
+              <a:t>. </a:t>
+            </a:r>
+            <a:r>
+              <a:rPr lang="ko-KR" altLang="en-US" dirty="0"/>
+              <a:t>그래서 필요에 따라 시계열 데이터를 사용하여 노이즈를 필터링하여 부드럽게 만들어줄 필요가 있습니다</a:t>
+            </a:r>
+            <a:r>
+              <a:rPr lang="en-US" altLang="ko-KR" dirty="0"/>
+              <a:t>.</a:t>
+            </a:r>
+          </a:p>
+          <a:p>
+            <a:endParaRPr lang="en-US" altLang="ko-KR" dirty="0"/>
+          </a:p>
+          <a:p>
+            <a:r>
+              <a:rPr lang="ko-KR" altLang="en-US" dirty="0"/>
+              <a:t>이에 하나로 만든 </a:t>
+            </a:r>
+            <a:r>
+              <a:rPr lang="ko-KR" altLang="en-US" dirty="0" err="1"/>
+              <a:t>예측값에</a:t>
+            </a:r>
+            <a:r>
+              <a:rPr lang="ko-KR" altLang="en-US" dirty="0"/>
+              <a:t> </a:t>
+            </a:r>
+            <a:r>
+              <a:rPr lang="en-US" altLang="ko-KR" dirty="0"/>
+              <a:t>Moving Average</a:t>
+            </a:r>
+            <a:r>
+              <a:rPr lang="ko-KR" altLang="en-US" dirty="0"/>
+              <a:t>를 부분적으로 </a:t>
+            </a:r>
+            <a:r>
+              <a:rPr lang="en-US" altLang="ko-KR" dirty="0"/>
+              <a:t>Hybrid</a:t>
+            </a:r>
+            <a:r>
+              <a:rPr lang="ko-KR" altLang="en-US" dirty="0"/>
+              <a:t>하여 최적의 효과를 내는 방법을 사용하게 되었습니다</a:t>
+            </a:r>
+            <a:r>
+              <a:rPr lang="en-US" altLang="ko-KR" dirty="0"/>
+              <a:t>.</a:t>
+            </a:r>
+          </a:p>
+          <a:p>
+            <a:r>
+              <a:rPr lang="ko-KR" altLang="en-US" dirty="0"/>
+              <a:t>이런 </a:t>
+            </a:r>
+            <a:r>
+              <a:rPr lang="en-US" altLang="ko-KR" dirty="0"/>
+              <a:t>Hybrid </a:t>
+            </a:r>
+            <a:r>
+              <a:rPr lang="ko-KR" altLang="en-US" dirty="0"/>
+              <a:t>모델로 추후 발생할 오차를 줄일 수 있을 것으로 기대하고 있습니다</a:t>
+            </a:r>
+            <a:r>
+              <a:rPr lang="en-US" altLang="ko-KR" dirty="0"/>
+              <a:t>.</a:t>
+            </a:r>
+            <a:endParaRPr lang="ko-KR" altLang="en-US" dirty="0"/>
+          </a:p>
+        </p:txBody>
+      </p:sp>
+      <p:sp>
+        <p:nvSpPr>
+          <p:cNvPr id="4" name="슬라이드 번호 개체 틀 3"/>
+          <p:cNvSpPr>
+            <a:spLocks noGrp="1"/>
+          </p:cNvSpPr>
+          <p:nvPr>
+            <p:ph type="sldNum" sz="quarter" idx="5"/>
+          </p:nvPr>
+        </p:nvSpPr>
+        <p:spPr/>
+        <p:txBody>
+          <a:bodyPr/>
+          <a:lstStyle/>
+          <a:p>
+            <a:fld id="{E33C9B0B-249D-456B-B735-3DD074CBA183}" type="slidenum">
+              <a:rPr lang="ko-KR" altLang="en-US" smtClean="0"/>
+              <a:pPr/>
+              <a:t>14</a:t>
+            </a:fld>
+            <a:endParaRPr lang="ko-KR" altLang="en-US"/>
+          </a:p>
+        </p:txBody>
+      </p:sp>
+    </p:spTree>
+    <p:extLst>
+      <p:ext uri="{BB962C8B-B14F-4D97-AF65-F5344CB8AC3E}">
+        <p14:creationId xmlns:p14="http://schemas.microsoft.com/office/powerpoint/2010/main" val="4154688979"/>
+      </p:ext>
+    </p:extLst>
+  </p:cSld>
+  <p:clrMapOvr>
+    <a:masterClrMapping/>
+  </p:clrMapOvr>
+</p:notes>
+</file>
+
+<file path=ppt/notesSlides/notesSlide14.xml><?xml version="1.0" encoding="utf-8"?>
+<p:notes xmlns:a="http://schemas.openxmlformats.org/drawingml/2006/main" xmlns:r="http://schemas.openxmlformats.org/officeDocument/2006/relationships" xmlns:p="http://schemas.openxmlformats.org/presentationml/2006/main">
+  <p:cSld>
+    <p:spTree>
+      <p:nvGrpSpPr>
+        <p:cNvPr id="1" name=""/>
+        <p:cNvGrpSpPr/>
+        <p:nvPr/>
+      </p:nvGrpSpPr>
+      <p:grpSpPr>
+        <a:xfrm>
+          <a:off x="0" y="0"/>
+          <a:ext cx="0" cy="0"/>
+          <a:chOff x="0" y="0"/>
+          <a:chExt cx="0" cy="0"/>
+        </a:xfrm>
+      </p:grpSpPr>
+      <p:sp>
+        <p:nvSpPr>
+          <p:cNvPr id="2" name="슬라이드 이미지 개체 틀 1"/>
+          <p:cNvSpPr>
+            <a:spLocks noGrp="1" noRot="1" noChangeAspect="1"/>
+          </p:cNvSpPr>
+          <p:nvPr>
+            <p:ph type="sldImg"/>
+          </p:nvPr>
+        </p:nvSpPr>
+        <p:spPr/>
+      </p:sp>
+      <p:sp>
+        <p:nvSpPr>
+          <p:cNvPr id="3" name="슬라이드 노트 개체 틀 2"/>
+          <p:cNvSpPr>
+            <a:spLocks noGrp="1"/>
+          </p:cNvSpPr>
+          <p:nvPr>
+            <p:ph type="body" idx="1"/>
+          </p:nvPr>
+        </p:nvSpPr>
+        <p:spPr/>
+        <p:txBody>
+          <a:bodyPr/>
+          <a:lstStyle/>
+          <a:p>
+            <a:r>
+              <a:rPr lang="ko-KR" altLang="en-US" dirty="0"/>
+              <a:t>일주일의 값을 예측하여 실제 데이터와의 오차를 대회 기준 </a:t>
+            </a:r>
+            <a:r>
+              <a:rPr lang="en-US" altLang="ko-KR" dirty="0"/>
+              <a:t>Error</a:t>
+            </a:r>
+            <a:r>
+              <a:rPr lang="ko-KR" altLang="en-US" dirty="0"/>
+              <a:t>로 환산한 값을 보았을 때</a:t>
+            </a:r>
+            <a:endParaRPr lang="en-US" altLang="ko-KR" dirty="0"/>
+          </a:p>
+          <a:p>
+            <a:r>
+              <a:rPr lang="ko-KR" altLang="en-US" dirty="0"/>
+              <a:t>특정 시간대 </a:t>
+            </a:r>
+            <a:r>
+              <a:rPr lang="en-US" altLang="ko-KR" dirty="0"/>
+              <a:t>ML</a:t>
+            </a:r>
+            <a:r>
+              <a:rPr lang="ko-KR" altLang="en-US" dirty="0"/>
+              <a:t>자체의 에러가 낮은 값을 보이게 되면</a:t>
+            </a:r>
+            <a:r>
+              <a:rPr lang="en-US" altLang="ko-KR" dirty="0"/>
+              <a:t>, Hybrid Model</a:t>
+            </a:r>
+            <a:r>
+              <a:rPr lang="ko-KR" altLang="en-US" dirty="0"/>
+              <a:t>보다 </a:t>
+            </a:r>
+            <a:r>
+              <a:rPr lang="en-US" altLang="ko-KR" dirty="0"/>
+              <a:t>ML</a:t>
+            </a:r>
+            <a:r>
+              <a:rPr lang="ko-KR" altLang="en-US" dirty="0"/>
+              <a:t>의 </a:t>
+            </a:r>
+            <a:r>
+              <a:rPr lang="ko-KR" altLang="en-US" dirty="0" err="1"/>
+              <a:t>예측값을</a:t>
+            </a:r>
+            <a:r>
+              <a:rPr lang="ko-KR" altLang="en-US" dirty="0"/>
+              <a:t> 사용하는 것이 </a:t>
+            </a:r>
+            <a:r>
+              <a:rPr lang="en-US" altLang="ko-KR" dirty="0"/>
+              <a:t>Error</a:t>
+            </a:r>
+            <a:r>
+              <a:rPr lang="ko-KR" altLang="en-US" dirty="0"/>
+              <a:t>를 줄일 수 있습니다</a:t>
+            </a:r>
+            <a:r>
+              <a:rPr lang="en-US" altLang="ko-KR" dirty="0"/>
+              <a:t>.</a:t>
+            </a:r>
+          </a:p>
+          <a:p>
+            <a:r>
+              <a:rPr lang="ko-KR" altLang="en-US" dirty="0"/>
+              <a:t>하지만 특정 시간대 </a:t>
+            </a:r>
+            <a:r>
+              <a:rPr lang="en-US" altLang="ko-KR" dirty="0"/>
+              <a:t>ML</a:t>
+            </a:r>
+            <a:r>
+              <a:rPr lang="ko-KR" altLang="en-US" dirty="0"/>
+              <a:t>의 </a:t>
+            </a:r>
+            <a:r>
+              <a:rPr lang="en-US" altLang="ko-KR" dirty="0"/>
+              <a:t>Error</a:t>
+            </a:r>
+            <a:r>
+              <a:rPr lang="ko-KR" altLang="en-US" dirty="0"/>
+              <a:t>값이 상승하게 되면 </a:t>
+            </a:r>
+            <a:r>
+              <a:rPr lang="en-US" altLang="ko-KR" dirty="0"/>
+              <a:t>Hybrid Model</a:t>
+            </a:r>
+            <a:r>
+              <a:rPr lang="ko-KR" altLang="en-US" dirty="0"/>
+              <a:t>를 결합하는 것이 노이즈가 많이 제거되어 </a:t>
+            </a:r>
+            <a:r>
+              <a:rPr lang="en-US" altLang="ko-KR" dirty="0"/>
+              <a:t>Error</a:t>
+            </a:r>
+            <a:r>
+              <a:rPr lang="ko-KR" altLang="en-US" dirty="0"/>
+              <a:t>를 효과적으로 줄일 수 있습니다</a:t>
+            </a:r>
+            <a:r>
+              <a:rPr lang="en-US" altLang="ko-KR" dirty="0"/>
+              <a:t>.</a:t>
+            </a:r>
+          </a:p>
+          <a:p>
+            <a:endParaRPr lang="en-US" altLang="ko-KR" dirty="0"/>
+          </a:p>
+          <a:p>
+            <a:r>
+              <a:rPr lang="ko-KR" altLang="en-US" dirty="0"/>
+              <a:t>데이터가 들어올 때마다 모델을 계속 업데이트 하는 것은 무리가 있고</a:t>
+            </a:r>
+            <a:r>
+              <a:rPr lang="en-US" altLang="ko-KR" dirty="0"/>
+              <a:t>, </a:t>
+            </a:r>
+            <a:r>
+              <a:rPr lang="ko-KR" altLang="en-US" dirty="0"/>
+              <a:t>업데이트를 하기 직전까지 </a:t>
+            </a:r>
+            <a:r>
+              <a:rPr lang="en-US" altLang="ko-KR" dirty="0"/>
+              <a:t>ML </a:t>
+            </a:r>
+            <a:r>
+              <a:rPr lang="ko-KR" altLang="en-US" dirty="0"/>
+              <a:t>모델의 에러는 조금씩 증가할 것으로 예상됩니다</a:t>
+            </a:r>
+            <a:r>
+              <a:rPr lang="en-US" altLang="ko-KR" dirty="0"/>
+              <a:t>.</a:t>
+            </a:r>
+          </a:p>
+          <a:p>
+            <a:r>
+              <a:rPr lang="ko-KR" altLang="en-US" dirty="0"/>
+              <a:t>이런 현상에 </a:t>
+            </a:r>
+            <a:r>
+              <a:rPr lang="en-US" altLang="ko-KR" dirty="0"/>
+              <a:t>MA</a:t>
+            </a:r>
+            <a:r>
+              <a:rPr lang="ko-KR" altLang="en-US" dirty="0"/>
+              <a:t>를 적용하여 노이즈를 제거해준다면 모델 업데이트 전까지 적은 </a:t>
+            </a:r>
+            <a:r>
+              <a:rPr lang="en-US" altLang="ko-KR" dirty="0"/>
+              <a:t>Risk</a:t>
+            </a:r>
+            <a:r>
+              <a:rPr lang="ko-KR" altLang="en-US" dirty="0"/>
+              <a:t>를 가지고 예측을 진행할 것으로 판단됩니다</a:t>
+            </a:r>
+            <a:r>
+              <a:rPr lang="en-US" altLang="ko-KR" dirty="0"/>
+              <a:t>. </a:t>
+            </a:r>
+            <a:endParaRPr lang="ko-KR" altLang="en-US" dirty="0"/>
+          </a:p>
+        </p:txBody>
+      </p:sp>
+      <p:sp>
+        <p:nvSpPr>
+          <p:cNvPr id="4" name="슬라이드 번호 개체 틀 3"/>
+          <p:cNvSpPr>
+            <a:spLocks noGrp="1"/>
+          </p:cNvSpPr>
+          <p:nvPr>
+            <p:ph type="sldNum" sz="quarter" idx="5"/>
+          </p:nvPr>
+        </p:nvSpPr>
+        <p:spPr/>
+        <p:txBody>
+          <a:bodyPr/>
+          <a:lstStyle/>
+          <a:p>
+            <a:fld id="{E33C9B0B-249D-456B-B735-3DD074CBA183}" type="slidenum">
+              <a:rPr lang="ko-KR" altLang="en-US" smtClean="0"/>
+              <a:pPr/>
+              <a:t>15</a:t>
+            </a:fld>
+            <a:endParaRPr lang="ko-KR" altLang="en-US"/>
+          </a:p>
+        </p:txBody>
+      </p:sp>
+    </p:spTree>
+    <p:extLst>
+      <p:ext uri="{BB962C8B-B14F-4D97-AF65-F5344CB8AC3E}">
+        <p14:creationId xmlns:p14="http://schemas.microsoft.com/office/powerpoint/2010/main" val="3554652795"/>
+      </p:ext>
+    </p:extLst>
+  </p:cSld>
+  <p:clrMapOvr>
+    <a:masterClrMapping/>
+  </p:clrMapOvr>
+</p:notes>
+</file>
+
+<file path=ppt/notesSlides/notesSlide15.xml><?xml version="1.0" encoding="utf-8"?>
+<p:notes xmlns:a="http://schemas.openxmlformats.org/drawingml/2006/main" xmlns:r="http://schemas.openxmlformats.org/officeDocument/2006/relationships" xmlns:p="http://schemas.openxmlformats.org/presentationml/2006/main">
+  <p:cSld>
+    <p:spTree>
+      <p:nvGrpSpPr>
+        <p:cNvPr id="1" name=""/>
+        <p:cNvGrpSpPr/>
+        <p:nvPr/>
+      </p:nvGrpSpPr>
+      <p:grpSpPr>
+        <a:xfrm>
+          <a:off x="0" y="0"/>
+          <a:ext cx="0" cy="0"/>
+          <a:chOff x="0" y="0"/>
+          <a:chExt cx="0" cy="0"/>
+        </a:xfrm>
+      </p:grpSpPr>
+      <p:sp>
+        <p:nvSpPr>
+          <p:cNvPr id="2" name="슬라이드 이미지 개체 틀 1"/>
+          <p:cNvSpPr>
+            <a:spLocks noGrp="1" noRot="1" noChangeAspect="1"/>
+          </p:cNvSpPr>
+          <p:nvPr>
+            <p:ph type="sldImg"/>
+          </p:nvPr>
+        </p:nvSpPr>
+        <p:spPr/>
+      </p:sp>
+      <p:sp>
+        <p:nvSpPr>
+          <p:cNvPr id="3" name="슬라이드 노트 개체 틀 2"/>
+          <p:cNvSpPr>
+            <a:spLocks noGrp="1"/>
+          </p:cNvSpPr>
+          <p:nvPr>
+            <p:ph type="body" idx="1"/>
+          </p:nvPr>
+        </p:nvSpPr>
+        <p:spPr/>
+        <p:txBody>
+          <a:bodyPr/>
+          <a:lstStyle/>
+          <a:p>
+            <a:r>
+              <a:rPr lang="ko-KR" altLang="en-US" dirty="0"/>
+              <a:t>실제 발전량과 하이브리드 모델</a:t>
+            </a:r>
+            <a:r>
+              <a:rPr lang="en-US" altLang="ko-KR" dirty="0"/>
+              <a:t> </a:t>
+            </a:r>
+            <a:r>
+              <a:rPr lang="ko-KR" altLang="en-US" dirty="0"/>
+              <a:t>그리고 </a:t>
+            </a:r>
+            <a:r>
+              <a:rPr lang="ko-KR" altLang="en-US" dirty="0" err="1"/>
+              <a:t>예측값을</a:t>
+            </a:r>
+            <a:r>
+              <a:rPr lang="ko-KR" altLang="en-US" dirty="0"/>
+              <a:t> 나타낸 그래프입니다</a:t>
+            </a:r>
+            <a:r>
+              <a:rPr lang="en-US" altLang="ko-KR" dirty="0"/>
+              <a:t>.</a:t>
+            </a:r>
+          </a:p>
+          <a:p>
+            <a:r>
+              <a:rPr lang="en-US" altLang="ko-KR" dirty="0"/>
+              <a:t>MA</a:t>
+            </a:r>
+            <a:r>
+              <a:rPr lang="ko-KR" altLang="en-US" dirty="0"/>
+              <a:t>의 특징과 같이 노이즈가 제거되어 부드러운 곡선으로 그려지는 것을 확인할 수 있습니다</a:t>
+            </a:r>
+          </a:p>
+        </p:txBody>
+      </p:sp>
+      <p:sp>
+        <p:nvSpPr>
+          <p:cNvPr id="4" name="슬라이드 번호 개체 틀 3"/>
+          <p:cNvSpPr>
+            <a:spLocks noGrp="1"/>
+          </p:cNvSpPr>
+          <p:nvPr>
+            <p:ph type="sldNum" sz="quarter" idx="5"/>
+          </p:nvPr>
+        </p:nvSpPr>
+        <p:spPr/>
+        <p:txBody>
+          <a:bodyPr/>
+          <a:lstStyle/>
+          <a:p>
+            <a:fld id="{E33C9B0B-249D-456B-B735-3DD074CBA183}" type="slidenum">
+              <a:rPr lang="ko-KR" altLang="en-US" smtClean="0"/>
+              <a:pPr/>
+              <a:t>16</a:t>
+            </a:fld>
+            <a:endParaRPr lang="ko-KR" altLang="en-US"/>
+          </a:p>
+        </p:txBody>
+      </p:sp>
+    </p:spTree>
+    <p:extLst>
+      <p:ext uri="{BB962C8B-B14F-4D97-AF65-F5344CB8AC3E}">
+        <p14:creationId xmlns:p14="http://schemas.microsoft.com/office/powerpoint/2010/main" val="1541454529"/>
+      </p:ext>
+    </p:extLst>
+  </p:cSld>
+  <p:clrMapOvr>
+    <a:masterClrMapping/>
+  </p:clrMapOvr>
+</p:notes>
+</file>
+
+<file path=ppt/notesSlides/notesSlide16.xml><?xml version="1.0" encoding="utf-8"?>
+<p:notes xmlns:a="http://schemas.openxmlformats.org/drawingml/2006/main" xmlns:r="http://schemas.openxmlformats.org/officeDocument/2006/relationships" xmlns:p="http://schemas.openxmlformats.org/presentationml/2006/main">
+  <p:cSld>
+    <p:spTree>
+      <p:nvGrpSpPr>
+        <p:cNvPr id="1" name=""/>
+        <p:cNvGrpSpPr/>
+        <p:nvPr/>
+      </p:nvGrpSpPr>
+      <p:grpSpPr>
+        <a:xfrm>
+          <a:off x="0" y="0"/>
+          <a:ext cx="0" cy="0"/>
+          <a:chOff x="0" y="0"/>
+          <a:chExt cx="0" cy="0"/>
+        </a:xfrm>
+      </p:grpSpPr>
+      <p:sp>
+        <p:nvSpPr>
+          <p:cNvPr id="2" name="슬라이드 이미지 개체 틀 1"/>
+          <p:cNvSpPr>
+            <a:spLocks noGrp="1" noRot="1" noChangeAspect="1"/>
+          </p:cNvSpPr>
+          <p:nvPr>
+            <p:ph type="sldImg"/>
+          </p:nvPr>
+        </p:nvSpPr>
+        <p:spPr>
+          <a:xfrm>
+            <a:off x="1371600" y="1143000"/>
+            <a:ext cx="4114800" cy="3086100"/>
+          </a:xfrm>
+        </p:spPr>
+      </p:sp>
+      <p:sp>
+        <p:nvSpPr>
+          <p:cNvPr id="3" name="슬라이드 노트 개체 틀 2"/>
+          <p:cNvSpPr>
+            <a:spLocks noGrp="1"/>
+          </p:cNvSpPr>
+          <p:nvPr>
+            <p:ph type="body" idx="1"/>
+          </p:nvPr>
+        </p:nvSpPr>
+        <p:spPr/>
+        <p:txBody>
+          <a:bodyPr/>
+          <a:lstStyle/>
+          <a:p>
+            <a:endParaRPr lang="ko-KR" altLang="en-US" dirty="0"/>
+          </a:p>
+        </p:txBody>
+      </p:sp>
+      <p:sp>
+        <p:nvSpPr>
+          <p:cNvPr id="4" name="슬라이드 번호 개체 틀 3"/>
+          <p:cNvSpPr>
+            <a:spLocks noGrp="1"/>
+          </p:cNvSpPr>
+          <p:nvPr>
+            <p:ph type="sldNum" sz="quarter" idx="10"/>
+          </p:nvPr>
+        </p:nvSpPr>
+        <p:spPr/>
+        <p:txBody>
+          <a:bodyPr/>
+          <a:lstStyle/>
+          <a:p>
+            <a:pPr marL="0" marR="0" lvl="0" indent="0" algn="r" defTabSz="914400" rtl="0" eaLnBrk="1" fontAlgn="auto" latinLnBrk="1" hangingPunct="1">
+              <a:lnSpc>
+                <a:spcPct val="100000"/>
+              </a:lnSpc>
+              <a:spcBef>
+                <a:spcPts val="0"/>
+              </a:spcBef>
+              <a:spcAft>
+                <a:spcPts val="0"/>
+              </a:spcAft>
+              <a:buClrTx/>
+              <a:buSzTx/>
+              <a:buFontTx/>
+              <a:buNone/>
+              <a:tabLst/>
+              <a:defRPr/>
+            </a:pPr>
+            <a:fld id="{C645BA3C-DA23-49EC-9B6B-FA5869968DF6}" type="slidenum">
+              <a:rPr kumimoji="0" lang="ko-KR" altLang="en-US" sz="1200" b="0" i="0" u="none" strike="noStrike" kern="1200" cap="none" spc="0" normalizeH="0" baseline="0" noProof="0" smtClean="0">
+                <a:ln>
+                  <a:noFill/>
+                </a:ln>
+                <a:solidFill>
+                  <a:prstClr val="black"/>
+                </a:solidFill>
+                <a:effectLst/>
+                <a:uLnTx/>
+                <a:uFillTx/>
+                <a:latin typeface="맑은 고딕"/>
+                <a:ea typeface="맑은 고딕" panose="020B0503020000020004" pitchFamily="50" charset="-127"/>
+                <a:cs typeface="+mn-cs"/>
+              </a:rPr>
+              <a:pPr marL="0" marR="0" lvl="0" indent="0" algn="r" defTabSz="914400" rtl="0" eaLnBrk="1" fontAlgn="auto" latinLnBrk="1" hangingPunct="1">
+                <a:lnSpc>
+                  <a:spcPct val="100000"/>
+                </a:lnSpc>
+                <a:spcBef>
+                  <a:spcPts val="0"/>
+                </a:spcBef>
+                <a:spcAft>
+                  <a:spcPts val="0"/>
+                </a:spcAft>
+                <a:buClrTx/>
+                <a:buSzTx/>
+                <a:buFontTx/>
+                <a:buNone/>
+                <a:tabLst/>
+                <a:defRPr/>
+              </a:pPr>
+              <a:t>17</a:t>
+            </a:fld>
+            <a:endParaRPr kumimoji="0" lang="ko-KR" altLang="en-US" sz="1200" b="0" i="0" u="none" strike="noStrike" kern="1200" cap="none" spc="0" normalizeH="0" baseline="0" noProof="0">
+              <a:ln>
+                <a:noFill/>
+              </a:ln>
+              <a:solidFill>
+                <a:prstClr val="black"/>
+              </a:solidFill>
+              <a:effectLst/>
+              <a:uLnTx/>
+              <a:uFillTx/>
+              <a:latin typeface="맑은 고딕"/>
+              <a:ea typeface="맑은 고딕" panose="020B0503020000020004" pitchFamily="50" charset="-127"/>
+              <a:cs typeface="+mn-cs"/>
+            </a:endParaRPr>
+          </a:p>
+        </p:txBody>
+      </p:sp>
+    </p:spTree>
+    <p:extLst>
+      <p:ext uri="{BB962C8B-B14F-4D97-AF65-F5344CB8AC3E}">
+        <p14:creationId xmlns:p14="http://schemas.microsoft.com/office/powerpoint/2010/main" val="1147130203"/>
+      </p:ext>
+    </p:extLst>
+  </p:cSld>
+  <p:clrMapOvr>
+    <a:masterClrMapping/>
+  </p:clrMapOvr>
+</p:notes>
+</file>
+
+<file path=ppt/notesSlides/notesSlide17.xml><?xml version="1.0" encoding="utf-8"?>
+<p:notes xmlns:a="http://schemas.openxmlformats.org/drawingml/2006/main" xmlns:r="http://schemas.openxmlformats.org/officeDocument/2006/relationships" xmlns:p="http://schemas.openxmlformats.org/presentationml/2006/main">
+  <p:cSld>
+    <p:spTree>
+      <p:nvGrpSpPr>
+        <p:cNvPr id="1" name=""/>
+        <p:cNvGrpSpPr/>
+        <p:nvPr/>
+      </p:nvGrpSpPr>
+      <p:grpSpPr>
+        <a:xfrm>
+          <a:off x="0" y="0"/>
+          <a:ext cx="0" cy="0"/>
+          <a:chOff x="0" y="0"/>
+          <a:chExt cx="0" cy="0"/>
+        </a:xfrm>
+      </p:grpSpPr>
+      <p:sp>
+        <p:nvSpPr>
+          <p:cNvPr id="2" name="슬라이드 이미지 개체 틀 1"/>
+          <p:cNvSpPr>
+            <a:spLocks noGrp="1" noRot="1" noChangeAspect="1"/>
+          </p:cNvSpPr>
+          <p:nvPr>
+            <p:ph type="sldImg"/>
+          </p:nvPr>
+        </p:nvSpPr>
+        <p:spPr/>
+      </p:sp>
+      <p:sp>
+        <p:nvSpPr>
+          <p:cNvPr id="3" name="슬라이드 노트 개체 틀 2"/>
+          <p:cNvSpPr>
+            <a:spLocks noGrp="1"/>
+          </p:cNvSpPr>
+          <p:nvPr>
+            <p:ph type="body" idx="1"/>
+          </p:nvPr>
+        </p:nvSpPr>
+        <p:spPr/>
+        <p:txBody>
+          <a:bodyPr/>
+          <a:lstStyle/>
+          <a:p>
+            <a:r>
+              <a:rPr lang="ko-KR" altLang="en-US" dirty="0"/>
+              <a:t>결론으로 </a:t>
+            </a:r>
+            <a:r>
+              <a:rPr lang="en-US" altLang="ko-KR" dirty="0"/>
+              <a:t>ML Boosting </a:t>
+            </a:r>
+            <a:r>
+              <a:rPr lang="ko-KR" altLang="en-US" dirty="0"/>
+              <a:t>모델을 사용한 결과 발전량이 가장 큰 특정 구간 </a:t>
+            </a:r>
+            <a:r>
+              <a:rPr lang="en-US" altLang="ko-KR" dirty="0"/>
+              <a:t>4</a:t>
+            </a:r>
+            <a:r>
+              <a:rPr lang="ko-KR" altLang="en-US" dirty="0"/>
+              <a:t>시간을 제외하고 대회 기준으로 무의미한 오차를 보여주고 있습니다</a:t>
+            </a:r>
+            <a:r>
+              <a:rPr lang="en-US" altLang="ko-KR" dirty="0"/>
+              <a:t>.</a:t>
+            </a:r>
+          </a:p>
+          <a:p>
+            <a:endParaRPr lang="en-US" altLang="ko-KR" dirty="0"/>
+          </a:p>
+          <a:p>
+            <a:r>
+              <a:rPr lang="en-US" altLang="ko-KR" dirty="0"/>
+              <a:t>ML</a:t>
+            </a:r>
+            <a:r>
+              <a:rPr lang="ko-KR" altLang="en-US" dirty="0"/>
+              <a:t>의 오차가 커질수록 </a:t>
+            </a:r>
+            <a:r>
+              <a:rPr lang="en-US" altLang="ko-KR" dirty="0"/>
+              <a:t>Noise</a:t>
+            </a:r>
+            <a:r>
+              <a:rPr lang="ko-KR" altLang="en-US" dirty="0"/>
+              <a:t>가 증가한다고 할 수 있으며</a:t>
+            </a:r>
+            <a:r>
+              <a:rPr lang="en-US" altLang="ko-KR" dirty="0"/>
+              <a:t>, </a:t>
+            </a:r>
+            <a:r>
+              <a:rPr lang="ko-KR" altLang="en-US" dirty="0"/>
+              <a:t>이로 인해 </a:t>
+            </a:r>
+            <a:r>
+              <a:rPr lang="en-US" altLang="ko-KR" dirty="0"/>
+              <a:t>MA</a:t>
+            </a:r>
+            <a:r>
+              <a:rPr lang="ko-KR" altLang="en-US" dirty="0"/>
+              <a:t>와 결합한 </a:t>
+            </a:r>
+            <a:r>
+              <a:rPr lang="en-US" altLang="ko-KR" dirty="0"/>
+              <a:t>Hybrid Model</a:t>
+            </a:r>
+            <a:r>
+              <a:rPr lang="ko-KR" altLang="en-US" dirty="0"/>
+              <a:t>의 예측 결과가 더 좋아지는 모습을 보이고 있습니다</a:t>
+            </a:r>
+            <a:r>
+              <a:rPr lang="en-US" altLang="ko-KR" dirty="0"/>
+              <a:t>.</a:t>
+            </a:r>
+          </a:p>
+          <a:p>
+            <a:endParaRPr lang="en-US" altLang="ko-KR" dirty="0"/>
+          </a:p>
+          <a:p>
+            <a:r>
+              <a:rPr lang="ko-KR" altLang="en-US" dirty="0"/>
+              <a:t>향후 계획으로는 모든 발전소와 기상 관측소에 대한 정보를 사용해 데이터가 들어올 때마다 업데이트가 되는 </a:t>
+            </a:r>
+            <a:r>
+              <a:rPr lang="ko-KR" altLang="en-US" dirty="0" err="1"/>
+              <a:t>베이즈</a:t>
+            </a:r>
+            <a:r>
+              <a:rPr lang="ko-KR" altLang="en-US" dirty="0"/>
+              <a:t> 추론을 사용해 제한적인 데이터를 가지고 있는 신규 발전소에 대해 발전량 예측에 대한 정확도 향상을 기대할 수 있습니다</a:t>
+            </a:r>
+            <a:r>
+              <a:rPr lang="en-US" altLang="ko-KR" dirty="0"/>
+              <a:t>.</a:t>
+            </a:r>
+          </a:p>
+          <a:p>
+            <a:endParaRPr lang="en-US" altLang="ko-KR" dirty="0"/>
+          </a:p>
+          <a:p>
+            <a:r>
+              <a:rPr lang="ko-KR" altLang="en-US" dirty="0"/>
+              <a:t>해당 지역에 대한 일사</a:t>
+            </a:r>
+            <a:r>
+              <a:rPr lang="en-US" altLang="ko-KR" dirty="0"/>
+              <a:t>, </a:t>
+            </a:r>
+            <a:r>
+              <a:rPr lang="ko-KR" altLang="en-US" dirty="0"/>
+              <a:t>일조 확률 밀도 함수와 태양광 어레이 효율을 알 수 있다면 </a:t>
+            </a:r>
+            <a:r>
+              <a:rPr lang="en-US" altLang="ko-KR" dirty="0"/>
+              <a:t>Physics </a:t>
+            </a:r>
+            <a:r>
+              <a:rPr lang="ko-KR" altLang="en-US" dirty="0"/>
+              <a:t>모델을 결합하여 기존 </a:t>
+            </a:r>
+            <a:r>
+              <a:rPr lang="en-US" altLang="ko-KR" dirty="0"/>
+              <a:t>ML</a:t>
+            </a:r>
+            <a:r>
+              <a:rPr lang="ko-KR" altLang="en-US" dirty="0"/>
+              <a:t>모델의 예측 정확도를 향상시킬 수 있습니다</a:t>
+            </a:r>
+            <a:r>
+              <a:rPr lang="en-US" altLang="ko-KR" dirty="0"/>
+              <a:t>.</a:t>
+            </a:r>
+            <a:endParaRPr lang="ko-KR" altLang="en-US" dirty="0"/>
+          </a:p>
+        </p:txBody>
+      </p:sp>
+      <p:sp>
+        <p:nvSpPr>
+          <p:cNvPr id="4" name="슬라이드 번호 개체 틀 3"/>
+          <p:cNvSpPr>
+            <a:spLocks noGrp="1"/>
+          </p:cNvSpPr>
+          <p:nvPr>
+            <p:ph type="sldNum" sz="quarter" idx="5"/>
+          </p:nvPr>
+        </p:nvSpPr>
+        <p:spPr/>
+        <p:txBody>
+          <a:bodyPr/>
+          <a:lstStyle/>
+          <a:p>
+            <a:fld id="{E33C9B0B-249D-456B-B735-3DD074CBA183}" type="slidenum">
+              <a:rPr lang="ko-KR" altLang="en-US" smtClean="0"/>
+              <a:pPr/>
+              <a:t>18</a:t>
+            </a:fld>
+            <a:endParaRPr lang="ko-KR" altLang="en-US"/>
+          </a:p>
+        </p:txBody>
+      </p:sp>
+    </p:spTree>
+    <p:extLst>
+      <p:ext uri="{BB962C8B-B14F-4D97-AF65-F5344CB8AC3E}">
+        <p14:creationId xmlns:p14="http://schemas.microsoft.com/office/powerpoint/2010/main" val="850679277"/>
+      </p:ext>
+    </p:extLst>
+  </p:cSld>
+  <p:clrMapOvr>
+    <a:masterClrMapping/>
+  </p:clrMapOvr>
+</p:notes>
+</file>
+
 <file path=ppt/notesSlides/notesSlide2.xml><?xml version="1.0" encoding="utf-8"?>
 <p:notes xmlns:a="http://schemas.openxmlformats.org/drawingml/2006/main" xmlns:r="http://schemas.openxmlformats.org/officeDocument/2006/relationships" xmlns:p="http://schemas.openxmlformats.org/presentationml/2006/main">
   <p:cSld>
@@ -994,6 +2502,386 @@
             <p:ph type="sldImg"/>
           </p:nvPr>
         </p:nvSpPr>
+        <p:spPr/>
+      </p:sp>
+      <p:sp>
+        <p:nvSpPr>
+          <p:cNvPr id="3" name="슬라이드 노트 개체 틀 2"/>
+          <p:cNvSpPr>
+            <a:spLocks noGrp="1"/>
+          </p:cNvSpPr>
+          <p:nvPr>
+            <p:ph type="body" idx="1"/>
+          </p:nvPr>
+        </p:nvSpPr>
+        <p:spPr/>
+        <p:txBody>
+          <a:bodyPr/>
+          <a:lstStyle/>
+          <a:p>
+            <a:r>
+              <a:rPr lang="ko-KR" altLang="en-US" dirty="0"/>
+              <a:t>데이터 셋은 기본 제공 데이터인 발전소</a:t>
+            </a:r>
+            <a:r>
+              <a:rPr lang="en-US" altLang="ko-KR" dirty="0"/>
+              <a:t>, </a:t>
+            </a:r>
+            <a:r>
+              <a:rPr lang="ko-KR" altLang="en-US" dirty="0"/>
+              <a:t>센서</a:t>
+            </a:r>
+            <a:r>
+              <a:rPr lang="en-US" altLang="ko-KR" dirty="0"/>
+              <a:t>, </a:t>
+            </a:r>
+            <a:r>
+              <a:rPr lang="ko-KR" altLang="en-US" dirty="0"/>
+              <a:t>기상</a:t>
+            </a:r>
+            <a:r>
+              <a:rPr lang="en-US" altLang="ko-KR" dirty="0"/>
+              <a:t> </a:t>
+            </a:r>
+            <a:r>
+              <a:rPr lang="ko-KR" altLang="en-US" dirty="0"/>
+              <a:t>그리고 예보 데이터를 사용하였고 </a:t>
+            </a:r>
+            <a:r>
+              <a:rPr lang="en-US" altLang="ko-KR" dirty="0"/>
+              <a:t>data description</a:t>
+            </a:r>
+            <a:r>
+              <a:rPr lang="ko-KR" altLang="en-US" dirty="0"/>
+              <a:t>은 다음과 같습니다</a:t>
+            </a:r>
+            <a:r>
+              <a:rPr lang="en-US" altLang="ko-KR" dirty="0"/>
+              <a:t>.</a:t>
+            </a:r>
+            <a:endParaRPr lang="ko-KR" altLang="en-US" dirty="0"/>
+          </a:p>
+        </p:txBody>
+      </p:sp>
+      <p:sp>
+        <p:nvSpPr>
+          <p:cNvPr id="4" name="슬라이드 번호 개체 틀 3"/>
+          <p:cNvSpPr>
+            <a:spLocks noGrp="1"/>
+          </p:cNvSpPr>
+          <p:nvPr>
+            <p:ph type="sldNum" sz="quarter" idx="5"/>
+          </p:nvPr>
+        </p:nvSpPr>
+        <p:spPr/>
+        <p:txBody>
+          <a:bodyPr/>
+          <a:lstStyle/>
+          <a:p>
+            <a:fld id="{E33C9B0B-249D-456B-B735-3DD074CBA183}" type="slidenum">
+              <a:rPr lang="ko-KR" altLang="en-US" smtClean="0"/>
+              <a:pPr/>
+              <a:t>4</a:t>
+            </a:fld>
+            <a:endParaRPr lang="ko-KR" altLang="en-US"/>
+          </a:p>
+        </p:txBody>
+      </p:sp>
+    </p:spTree>
+    <p:extLst>
+      <p:ext uri="{BB962C8B-B14F-4D97-AF65-F5344CB8AC3E}">
+        <p14:creationId xmlns:p14="http://schemas.microsoft.com/office/powerpoint/2010/main" val="1613998674"/>
+      </p:ext>
+    </p:extLst>
+  </p:cSld>
+  <p:clrMapOvr>
+    <a:masterClrMapping/>
+  </p:clrMapOvr>
+</p:notes>
+</file>
+
+<file path=ppt/notesSlides/notesSlide4.xml><?xml version="1.0" encoding="utf-8"?>
+<p:notes xmlns:a="http://schemas.openxmlformats.org/drawingml/2006/main" xmlns:r="http://schemas.openxmlformats.org/officeDocument/2006/relationships" xmlns:p="http://schemas.openxmlformats.org/presentationml/2006/main">
+  <p:cSld>
+    <p:spTree>
+      <p:nvGrpSpPr>
+        <p:cNvPr id="1" name=""/>
+        <p:cNvGrpSpPr/>
+        <p:nvPr/>
+      </p:nvGrpSpPr>
+      <p:grpSpPr>
+        <a:xfrm>
+          <a:off x="0" y="0"/>
+          <a:ext cx="0" cy="0"/>
+          <a:chOff x="0" y="0"/>
+          <a:chExt cx="0" cy="0"/>
+        </a:xfrm>
+      </p:grpSpPr>
+      <p:sp>
+        <p:nvSpPr>
+          <p:cNvPr id="2" name="슬라이드 이미지 개체 틀 1"/>
+          <p:cNvSpPr>
+            <a:spLocks noGrp="1" noRot="1" noChangeAspect="1"/>
+          </p:cNvSpPr>
+          <p:nvPr>
+            <p:ph type="sldImg"/>
+          </p:nvPr>
+        </p:nvSpPr>
+        <p:spPr/>
+      </p:sp>
+      <p:sp>
+        <p:nvSpPr>
+          <p:cNvPr id="3" name="슬라이드 노트 개체 틀 2"/>
+          <p:cNvSpPr>
+            <a:spLocks noGrp="1"/>
+          </p:cNvSpPr>
+          <p:nvPr>
+            <p:ph type="body" idx="1"/>
+          </p:nvPr>
+        </p:nvSpPr>
+        <p:spPr/>
+        <p:txBody>
+          <a:bodyPr/>
+          <a:lstStyle/>
+          <a:p>
+            <a:r>
+              <a:rPr lang="ko-KR" altLang="en-US" dirty="0"/>
+              <a:t>기상데이터에서 </a:t>
+            </a:r>
+            <a:r>
+              <a:rPr lang="en-US" altLang="ko-KR" dirty="0"/>
+              <a:t>pressure </a:t>
+            </a:r>
+            <a:r>
+              <a:rPr lang="ko-KR" altLang="en-US" dirty="0"/>
+              <a:t>값은 예보데이터에는 포함되어 있지 않아 제외하였습니다</a:t>
+            </a:r>
+            <a:r>
+              <a:rPr lang="en-US" altLang="ko-KR" dirty="0"/>
+              <a:t>.</a:t>
+            </a:r>
+            <a:endParaRPr lang="ko-KR" altLang="en-US" dirty="0"/>
+          </a:p>
+        </p:txBody>
+      </p:sp>
+      <p:sp>
+        <p:nvSpPr>
+          <p:cNvPr id="4" name="슬라이드 번호 개체 틀 3"/>
+          <p:cNvSpPr>
+            <a:spLocks noGrp="1"/>
+          </p:cNvSpPr>
+          <p:nvPr>
+            <p:ph type="sldNum" sz="quarter" idx="5"/>
+          </p:nvPr>
+        </p:nvSpPr>
+        <p:spPr/>
+        <p:txBody>
+          <a:bodyPr/>
+          <a:lstStyle/>
+          <a:p>
+            <a:fld id="{E33C9B0B-249D-456B-B735-3DD074CBA183}" type="slidenum">
+              <a:rPr lang="ko-KR" altLang="en-US" smtClean="0"/>
+              <a:pPr/>
+              <a:t>5</a:t>
+            </a:fld>
+            <a:endParaRPr lang="ko-KR" altLang="en-US"/>
+          </a:p>
+        </p:txBody>
+      </p:sp>
+    </p:spTree>
+    <p:extLst>
+      <p:ext uri="{BB962C8B-B14F-4D97-AF65-F5344CB8AC3E}">
+        <p14:creationId xmlns:p14="http://schemas.microsoft.com/office/powerpoint/2010/main" val="787567081"/>
+      </p:ext>
+    </p:extLst>
+  </p:cSld>
+  <p:clrMapOvr>
+    <a:masterClrMapping/>
+  </p:clrMapOvr>
+</p:notes>
+</file>
+
+<file path=ppt/notesSlides/notesSlide5.xml><?xml version="1.0" encoding="utf-8"?>
+<p:notes xmlns:a="http://schemas.openxmlformats.org/drawingml/2006/main" xmlns:r="http://schemas.openxmlformats.org/officeDocument/2006/relationships" xmlns:p="http://schemas.openxmlformats.org/presentationml/2006/main">
+  <p:cSld>
+    <p:spTree>
+      <p:nvGrpSpPr>
+        <p:cNvPr id="1" name=""/>
+        <p:cNvGrpSpPr/>
+        <p:nvPr/>
+      </p:nvGrpSpPr>
+      <p:grpSpPr>
+        <a:xfrm>
+          <a:off x="0" y="0"/>
+          <a:ext cx="0" cy="0"/>
+          <a:chOff x="0" y="0"/>
+          <a:chExt cx="0" cy="0"/>
+        </a:xfrm>
+      </p:grpSpPr>
+      <p:sp>
+        <p:nvSpPr>
+          <p:cNvPr id="2" name="슬라이드 이미지 개체 틀 1"/>
+          <p:cNvSpPr>
+            <a:spLocks noGrp="1" noRot="1" noChangeAspect="1"/>
+          </p:cNvSpPr>
+          <p:nvPr>
+            <p:ph type="sldImg"/>
+          </p:nvPr>
+        </p:nvSpPr>
+        <p:spPr/>
+      </p:sp>
+      <p:sp>
+        <p:nvSpPr>
+          <p:cNvPr id="3" name="슬라이드 노트 개체 틀 2"/>
+          <p:cNvSpPr>
+            <a:spLocks noGrp="1"/>
+          </p:cNvSpPr>
+          <p:nvPr>
+            <p:ph type="body" idx="1"/>
+          </p:nvPr>
+        </p:nvSpPr>
+        <p:spPr/>
+        <p:txBody>
+          <a:bodyPr/>
+          <a:lstStyle/>
+          <a:p>
+            <a:r>
+              <a:rPr lang="ko-KR" altLang="en-US" dirty="0"/>
+              <a:t>모든 데이터를 사용하지 않고 </a:t>
+            </a:r>
+            <a:r>
+              <a:rPr lang="en-US" altLang="ko-KR" dirty="0"/>
+              <a:t>0</a:t>
+            </a:r>
+            <a:r>
+              <a:rPr lang="ko-KR" altLang="en-US" dirty="0"/>
+              <a:t>번</a:t>
+            </a:r>
+            <a:r>
+              <a:rPr lang="en-US" altLang="ko-KR" dirty="0"/>
+              <a:t>, 8</a:t>
+            </a:r>
+            <a:r>
+              <a:rPr lang="ko-KR" altLang="en-US" dirty="0"/>
+              <a:t>번 발전소가 동일한 종관기상관측소를 사용하고</a:t>
+            </a:r>
+            <a:r>
+              <a:rPr lang="en-US" altLang="ko-KR" dirty="0"/>
+              <a:t>, 2</a:t>
+            </a:r>
+            <a:r>
+              <a:rPr lang="ko-KR" altLang="en-US" dirty="0"/>
+              <a:t>번 기상관측소와 동일한 </a:t>
+            </a:r>
+            <a:r>
+              <a:rPr lang="en-US" altLang="ko-KR" dirty="0"/>
+              <a:t>ID</a:t>
+            </a:r>
+            <a:r>
+              <a:rPr lang="ko-KR" altLang="en-US" dirty="0"/>
+              <a:t>를 사용하므로 비슷한 지역의 발전소로 판단하였고 이에 광명시 발전소와 기상환경이 유사하다고 판단 하였습니다</a:t>
+            </a:r>
+            <a:r>
+              <a:rPr lang="en-US" altLang="ko-KR" dirty="0"/>
+              <a:t>.</a:t>
+            </a:r>
+          </a:p>
+          <a:p>
+            <a:r>
+              <a:rPr lang="en-US" altLang="ko-KR" dirty="0"/>
+              <a:t>2</a:t>
+            </a:r>
+            <a:r>
+              <a:rPr lang="ko-KR" altLang="en-US" dirty="0"/>
+              <a:t>번 발전소의 경우</a:t>
+            </a:r>
+            <a:r>
+              <a:rPr lang="en-US" altLang="ko-KR" dirty="0"/>
+              <a:t> </a:t>
+            </a:r>
+            <a:r>
+              <a:rPr lang="ko-KR" altLang="en-US" dirty="0"/>
+              <a:t>광명시와 전혀 다른 종관기상관측소를 사용하지만 기상관측소와 발전소가 가까우면 발전량 예측 정확도가 높을 것이라고 판단하여 사용하였고 이는 </a:t>
+            </a:r>
+            <a:r>
+              <a:rPr lang="en-US" altLang="ko-KR" dirty="0"/>
+              <a:t>20</a:t>
+            </a:r>
+            <a:r>
+              <a:rPr lang="ko-KR" altLang="en-US" dirty="0"/>
+              <a:t>개의 발전소 중에서 랜덤으로 추출하였습니다</a:t>
+            </a:r>
+            <a:r>
+              <a:rPr lang="en-US" altLang="ko-KR" dirty="0"/>
+              <a:t>.</a:t>
+            </a:r>
+          </a:p>
+        </p:txBody>
+      </p:sp>
+      <p:sp>
+        <p:nvSpPr>
+          <p:cNvPr id="4" name="슬라이드 번호 개체 틀 3"/>
+          <p:cNvSpPr>
+            <a:spLocks noGrp="1"/>
+          </p:cNvSpPr>
+          <p:nvPr>
+            <p:ph type="sldNum" sz="quarter" idx="5"/>
+          </p:nvPr>
+        </p:nvSpPr>
+        <p:spPr/>
+        <p:txBody>
+          <a:bodyPr/>
+          <a:lstStyle/>
+          <a:p>
+            <a:fld id="{E33C9B0B-249D-456B-B735-3DD074CBA183}" type="slidenum">
+              <a:rPr lang="ko-KR" altLang="en-US" smtClean="0"/>
+              <a:pPr/>
+              <a:t>6</a:t>
+            </a:fld>
+            <a:endParaRPr lang="ko-KR" altLang="en-US"/>
+          </a:p>
+        </p:txBody>
+      </p:sp>
+    </p:spTree>
+    <p:extLst>
+      <p:ext uri="{BB962C8B-B14F-4D97-AF65-F5344CB8AC3E}">
+        <p14:creationId xmlns:p14="http://schemas.microsoft.com/office/powerpoint/2010/main" val="792951854"/>
+      </p:ext>
+    </p:extLst>
+  </p:cSld>
+  <p:clrMapOvr>
+    <a:masterClrMapping/>
+  </p:clrMapOvr>
+</p:notes>
+</file>
+
+<file path=ppt/notesSlides/notesSlide6.xml><?xml version="1.0" encoding="utf-8"?>
+<p:notes xmlns:a="http://schemas.openxmlformats.org/drawingml/2006/main" xmlns:r="http://schemas.openxmlformats.org/officeDocument/2006/relationships" xmlns:p="http://schemas.openxmlformats.org/presentationml/2006/main">
+  <p:cSld>
+    <p:spTree>
+      <p:nvGrpSpPr>
+        <p:cNvPr id="1" name=""/>
+        <p:cNvGrpSpPr/>
+        <p:nvPr/>
+      </p:nvGrpSpPr>
+      <p:grpSpPr>
+        <a:xfrm>
+          <a:off x="0" y="0"/>
+          <a:ext cx="0" cy="0"/>
+          <a:chOff x="0" y="0"/>
+          <a:chExt cx="0" cy="0"/>
+        </a:xfrm>
+      </p:grpSpPr>
+      <p:sp>
+        <p:nvSpPr>
+          <p:cNvPr id="2" name="슬라이드 이미지 개체 틀 1"/>
+          <p:cNvSpPr>
+            <a:spLocks noGrp="1" noRot="1" noChangeAspect="1"/>
+          </p:cNvSpPr>
+          <p:nvPr>
+            <p:ph type="sldImg"/>
+          </p:nvPr>
+        </p:nvSpPr>
         <p:spPr>
           <a:xfrm>
             <a:off x="1371600" y="1143000"/>
@@ -1116,7 +3004,7 @@
 </p:notes>
 </file>
 
-<file path=ppt/notesSlides/notesSlide4.xml><?xml version="1.0" encoding="utf-8"?>
+<file path=ppt/notesSlides/notesSlide7.xml><?xml version="1.0" encoding="utf-8"?>
 <p:notes xmlns:a="http://schemas.openxmlformats.org/drawingml/2006/main" xmlns:r="http://schemas.openxmlformats.org/officeDocument/2006/relationships" xmlns:p="http://schemas.openxmlformats.org/presentationml/2006/main">
   <p:cSld>
     <p:spTree>
@@ -1143,12 +3031,7 @@
             <p:ph type="sldImg"/>
           </p:nvPr>
         </p:nvSpPr>
-        <p:spPr>
-          <a:xfrm>
-            <a:off x="1371600" y="1143000"/>
-            <a:ext cx="4114800" cy="3086100"/>
-          </a:xfrm>
-        </p:spPr>
+        <p:spPr/>
       </p:sp>
       <p:sp>
         <p:nvSpPr>
@@ -1165,6 +3048,138 @@
           <a:bodyPr/>
           <a:lstStyle/>
           <a:p>
+            <a:r>
+              <a:rPr lang="en-US" altLang="ko-KR" dirty="0"/>
+              <a:t>Amount</a:t>
+            </a:r>
+            <a:r>
+              <a:rPr lang="ko-KR" altLang="en-US" dirty="0"/>
+              <a:t>와 상관관계가 </a:t>
+            </a:r>
+            <a:r>
+              <a:rPr lang="ko-KR" altLang="en-US" dirty="0" err="1"/>
+              <a:t>높은것이</a:t>
+            </a:r>
+            <a:r>
+              <a:rPr lang="ko-KR" altLang="en-US" dirty="0"/>
+              <a:t> </a:t>
+            </a:r>
+            <a:r>
+              <a:rPr lang="en-US" altLang="ko-KR" dirty="0" err="1"/>
+              <a:t>nins</a:t>
+            </a:r>
+            <a:r>
+              <a:rPr lang="ko-KR" altLang="en-US" dirty="0"/>
+              <a:t>와 </a:t>
+            </a:r>
+            <a:r>
+              <a:rPr lang="en-US" altLang="ko-KR" dirty="0" err="1"/>
+              <a:t>uv_idx</a:t>
+            </a:r>
+            <a:r>
+              <a:rPr lang="ko-KR" altLang="en-US" dirty="0"/>
+              <a:t>이고</a:t>
+            </a:r>
+            <a:r>
+              <a:rPr lang="en-US" altLang="ko-KR" dirty="0"/>
+              <a:t>, </a:t>
+            </a:r>
+            <a:r>
+              <a:rPr lang="en-US" altLang="ko-KR" dirty="0" err="1"/>
+              <a:t>nins</a:t>
+            </a:r>
+            <a:r>
+              <a:rPr lang="ko-KR" altLang="en-US" dirty="0"/>
+              <a:t>와 상관관계가 </a:t>
+            </a:r>
+            <a:r>
+              <a:rPr lang="ko-KR" altLang="en-US" dirty="0" err="1"/>
+              <a:t>높은것이</a:t>
+            </a:r>
+            <a:r>
+              <a:rPr lang="ko-KR" altLang="en-US" dirty="0"/>
+              <a:t> </a:t>
+            </a:r>
+            <a:r>
+              <a:rPr lang="en-US" altLang="ko-KR" dirty="0" err="1"/>
+              <a:t>mtemp</a:t>
+            </a:r>
+            <a:r>
+              <a:rPr lang="ko-KR" altLang="en-US" dirty="0"/>
+              <a:t>와 </a:t>
+            </a:r>
+            <a:r>
+              <a:rPr lang="en-US" altLang="ko-KR" dirty="0" err="1"/>
+              <a:t>uv_idx</a:t>
+            </a:r>
+            <a:r>
+              <a:rPr lang="ko-KR" altLang="en-US" dirty="0"/>
+              <a:t>이다</a:t>
+            </a:r>
+            <a:r>
+              <a:rPr lang="en-US" altLang="ko-KR" dirty="0"/>
+              <a:t>. </a:t>
+            </a:r>
+            <a:r>
+              <a:rPr lang="ko-KR" altLang="en-US" dirty="0"/>
+              <a:t>또한</a:t>
+            </a:r>
+            <a:r>
+              <a:rPr lang="en-US" altLang="ko-KR" dirty="0"/>
+              <a:t> </a:t>
+            </a:r>
+            <a:r>
+              <a:rPr lang="en-US" altLang="ko-KR" dirty="0" err="1"/>
+              <a:t>Mtemp</a:t>
+            </a:r>
+            <a:r>
+              <a:rPr lang="ko-KR" altLang="en-US" dirty="0"/>
+              <a:t>와 상관관계가 </a:t>
+            </a:r>
+            <a:r>
+              <a:rPr lang="ko-KR" altLang="en-US" dirty="0" err="1"/>
+              <a:t>높은것은</a:t>
+            </a:r>
+            <a:r>
+              <a:rPr lang="ko-KR" altLang="en-US" dirty="0"/>
+              <a:t> </a:t>
+            </a:r>
+            <a:r>
+              <a:rPr lang="en-US" altLang="ko-KR" dirty="0"/>
+              <a:t>temperature</a:t>
+            </a:r>
+            <a:r>
+              <a:rPr lang="ko-KR" altLang="en-US" dirty="0"/>
+              <a:t>와 </a:t>
+            </a:r>
+            <a:r>
+              <a:rPr lang="en-US" altLang="ko-KR" dirty="0" err="1"/>
+              <a:t>uv_idx</a:t>
+            </a:r>
+            <a:r>
+              <a:rPr lang="ko-KR" altLang="en-US" dirty="0"/>
+              <a:t>이므로 예보 데이터를 활용하여 </a:t>
+            </a:r>
+            <a:r>
+              <a:rPr lang="en-US" altLang="ko-KR" dirty="0" err="1"/>
+              <a:t>mtemp</a:t>
+            </a:r>
+            <a:r>
+              <a:rPr lang="ko-KR" altLang="en-US" dirty="0"/>
+              <a:t>와 </a:t>
+            </a:r>
+            <a:r>
+              <a:rPr lang="en-US" altLang="ko-KR" dirty="0" err="1"/>
+              <a:t>nins</a:t>
+            </a:r>
+            <a:r>
+              <a:rPr lang="ko-KR" altLang="en-US" dirty="0"/>
+              <a:t>를 잘 예측하고 이것을 활용하여 발전량을 예측하는 것이 중요하다고 판단하였습니다</a:t>
+            </a:r>
+            <a:r>
+              <a:rPr lang="en-US" altLang="ko-KR" dirty="0"/>
+              <a:t>.</a:t>
+            </a:r>
             <a:endParaRPr lang="ko-KR" altLang="en-US" dirty="0"/>
           </a:p>
         </p:txBody>
@@ -1176,7 +3191,7 @@
             <a:spLocks noGrp="1"/>
           </p:cNvSpPr>
           <p:nvPr>
-            <p:ph type="sldNum" sz="quarter" idx="10"/>
+            <p:ph type="sldNum" sz="quarter" idx="5"/>
           </p:nvPr>
         </p:nvSpPr>
         <p:spPr/>
@@ -1184,7 +3199,195 @@
           <a:bodyPr/>
           <a:lstStyle/>
           <a:p>
-            <a:pPr marL="0" marR="0" lvl="0" indent="0" algn="r" defTabSz="914400" rtl="0" eaLnBrk="1" fontAlgn="auto" latinLnBrk="1" hangingPunct="1">
+            <a:fld id="{E33C9B0B-249D-456B-B735-3DD074CBA183}" type="slidenum">
+              <a:rPr lang="ko-KR" altLang="en-US" smtClean="0"/>
+              <a:pPr/>
+              <a:t>8</a:t>
+            </a:fld>
+            <a:endParaRPr lang="ko-KR" altLang="en-US"/>
+          </a:p>
+        </p:txBody>
+      </p:sp>
+    </p:spTree>
+    <p:extLst>
+      <p:ext uri="{BB962C8B-B14F-4D97-AF65-F5344CB8AC3E}">
+        <p14:creationId xmlns:p14="http://schemas.microsoft.com/office/powerpoint/2010/main" val="2204442372"/>
+      </p:ext>
+    </p:extLst>
+  </p:cSld>
+  <p:clrMapOvr>
+    <a:masterClrMapping/>
+  </p:clrMapOvr>
+</p:notes>
+</file>
+
+<file path=ppt/notesSlides/notesSlide8.xml><?xml version="1.0" encoding="utf-8"?>
+<p:notes xmlns:a="http://schemas.openxmlformats.org/drawingml/2006/main" xmlns:r="http://schemas.openxmlformats.org/officeDocument/2006/relationships" xmlns:p="http://schemas.openxmlformats.org/presentationml/2006/main">
+  <p:cSld>
+    <p:spTree>
+      <p:nvGrpSpPr>
+        <p:cNvPr id="1" name=""/>
+        <p:cNvGrpSpPr/>
+        <p:nvPr/>
+      </p:nvGrpSpPr>
+      <p:grpSpPr>
+        <a:xfrm>
+          <a:off x="0" y="0"/>
+          <a:ext cx="0" cy="0"/>
+          <a:chOff x="0" y="0"/>
+          <a:chExt cx="0" cy="0"/>
+        </a:xfrm>
+      </p:grpSpPr>
+      <p:sp>
+        <p:nvSpPr>
+          <p:cNvPr id="2" name="슬라이드 이미지 개체 틀 1"/>
+          <p:cNvSpPr>
+            <a:spLocks noGrp="1" noRot="1" noChangeAspect="1"/>
+          </p:cNvSpPr>
+          <p:nvPr>
+            <p:ph type="sldImg"/>
+          </p:nvPr>
+        </p:nvSpPr>
+        <p:spPr/>
+      </p:sp>
+      <p:sp>
+        <p:nvSpPr>
+          <p:cNvPr id="3" name="슬라이드 노트 개체 틀 2"/>
+          <p:cNvSpPr>
+            <a:spLocks noGrp="1"/>
+          </p:cNvSpPr>
+          <p:nvPr>
+            <p:ph type="body" idx="1"/>
+          </p:nvPr>
+        </p:nvSpPr>
+        <p:spPr/>
+        <p:txBody>
+          <a:bodyPr/>
+          <a:lstStyle/>
+          <a:p>
+            <a:r>
+              <a:rPr lang="ko-KR" altLang="en-US" dirty="0"/>
+              <a:t>광명시 발전소 데이터와 기상 데이터에 대한 시간별 평균 및 월별 평균입니다</a:t>
+            </a:r>
+            <a:r>
+              <a:rPr lang="en-US" altLang="ko-KR" dirty="0"/>
+              <a:t>.</a:t>
+            </a:r>
+          </a:p>
+          <a:p>
+            <a:r>
+              <a:rPr lang="en-US" altLang="ko-KR" dirty="0"/>
+              <a:t>7</a:t>
+            </a:r>
+            <a:r>
+              <a:rPr lang="ko-KR" altLang="en-US" dirty="0"/>
+              <a:t>월 부터 </a:t>
+            </a:r>
+            <a:r>
+              <a:rPr lang="en-US" altLang="ko-KR" dirty="0"/>
+              <a:t>11</a:t>
+            </a:r>
+            <a:r>
+              <a:rPr lang="ko-KR" altLang="en-US" dirty="0"/>
+              <a:t>월 까지의 월별 양상을 보면 시간에 따라 대체로 </a:t>
+            </a:r>
+            <a:r>
+              <a:rPr lang="en-US" altLang="ko-KR" dirty="0"/>
+              <a:t>7</a:t>
+            </a:r>
+            <a:r>
+              <a:rPr lang="ko-KR" altLang="en-US" dirty="0"/>
+              <a:t>월 이후 하향하는 추세를 보이고 있습니다</a:t>
+            </a:r>
+            <a:r>
+              <a:rPr lang="en-US" altLang="ko-KR" dirty="0"/>
+              <a:t>.</a:t>
+            </a:r>
+          </a:p>
+        </p:txBody>
+      </p:sp>
+      <p:sp>
+        <p:nvSpPr>
+          <p:cNvPr id="4" name="슬라이드 번호 개체 틀 3"/>
+          <p:cNvSpPr>
+            <a:spLocks noGrp="1"/>
+          </p:cNvSpPr>
+          <p:nvPr>
+            <p:ph type="sldNum" sz="quarter" idx="5"/>
+          </p:nvPr>
+        </p:nvSpPr>
+        <p:spPr/>
+        <p:txBody>
+          <a:bodyPr/>
+          <a:lstStyle/>
+          <a:p>
+            <a:fld id="{E33C9B0B-249D-456B-B735-3DD074CBA183}" type="slidenum">
+              <a:rPr lang="ko-KR" altLang="en-US" smtClean="0"/>
+              <a:pPr/>
+              <a:t>9</a:t>
+            </a:fld>
+            <a:endParaRPr lang="ko-KR" altLang="en-US"/>
+          </a:p>
+        </p:txBody>
+      </p:sp>
+    </p:spTree>
+    <p:extLst>
+      <p:ext uri="{BB962C8B-B14F-4D97-AF65-F5344CB8AC3E}">
+        <p14:creationId xmlns:p14="http://schemas.microsoft.com/office/powerpoint/2010/main" val="3061673248"/>
+      </p:ext>
+    </p:extLst>
+  </p:cSld>
+  <p:clrMapOvr>
+    <a:masterClrMapping/>
+  </p:clrMapOvr>
+</p:notes>
+</file>
+
+<file path=ppt/notesSlides/notesSlide9.xml><?xml version="1.0" encoding="utf-8"?>
+<p:notes xmlns:a="http://schemas.openxmlformats.org/drawingml/2006/main" xmlns:r="http://schemas.openxmlformats.org/officeDocument/2006/relationships" xmlns:p="http://schemas.openxmlformats.org/presentationml/2006/main">
+  <p:cSld>
+    <p:spTree>
+      <p:nvGrpSpPr>
+        <p:cNvPr id="1" name=""/>
+        <p:cNvGrpSpPr/>
+        <p:nvPr/>
+      </p:nvGrpSpPr>
+      <p:grpSpPr>
+        <a:xfrm>
+          <a:off x="0" y="0"/>
+          <a:ext cx="0" cy="0"/>
+          <a:chOff x="0" y="0"/>
+          <a:chExt cx="0" cy="0"/>
+        </a:xfrm>
+      </p:grpSpPr>
+      <p:sp>
+        <p:nvSpPr>
+          <p:cNvPr id="2" name="슬라이드 이미지 개체 틀 1"/>
+          <p:cNvSpPr>
+            <a:spLocks noGrp="1" noRot="1" noChangeAspect="1"/>
+          </p:cNvSpPr>
+          <p:nvPr>
+            <p:ph type="sldImg"/>
+          </p:nvPr>
+        </p:nvSpPr>
+        <p:spPr/>
+      </p:sp>
+      <p:sp>
+        <p:nvSpPr>
+          <p:cNvPr id="3" name="슬라이드 노트 개체 틀 2"/>
+          <p:cNvSpPr>
+            <a:spLocks noGrp="1"/>
+          </p:cNvSpPr>
+          <p:nvPr>
+            <p:ph type="body" idx="1"/>
+          </p:nvPr>
+        </p:nvSpPr>
+        <p:spPr/>
+        <p:txBody>
+          <a:bodyPr/>
+          <a:lstStyle/>
+          <a:p>
+            <a:pPr marL="0" marR="0" lvl="0" indent="0" algn="l" defTabSz="914400" rtl="0" eaLnBrk="1" fontAlgn="auto" latinLnBrk="1" hangingPunct="1">
               <a:lnSpc>
                 <a:spcPct val="100000"/>
               </a:lnSpc>
@@ -1201,120 +3404,50 @@
               <a:tabLst/>
               <a:defRPr/>
             </a:pPr>
-            <a:fld id="{C645BA3C-DA23-49EC-9B6B-FA5869968DF6}" type="slidenum">
-              <a:rPr kumimoji="0" lang="ko-KR" altLang="en-US" sz="1200" b="0" i="0" u="none" strike="noStrike" kern="1200" cap="none" spc="0" normalizeH="0" baseline="0" noProof="0" smtClean="0">
-                <a:ln>
-                  <a:noFill/>
-                </a:ln>
-                <a:solidFill>
-                  <a:prstClr val="black"/>
-                </a:solidFill>
-                <a:effectLst/>
-                <a:uLnTx/>
-                <a:uFillTx/>
-                <a:latin typeface="맑은 고딕"/>
-                <a:ea typeface="맑은 고딕" panose="020B0503020000020004" pitchFamily="50" charset="-127"/>
-                <a:cs typeface="+mn-cs"/>
-              </a:rPr>
-              <a:pPr marL="0" marR="0" lvl="0" indent="0" algn="r" defTabSz="914400" rtl="0" eaLnBrk="1" fontAlgn="auto" latinLnBrk="1" hangingPunct="1">
-                <a:lnSpc>
-                  <a:spcPct val="100000"/>
-                </a:lnSpc>
-                <a:spcBef>
-                  <a:spcPts val="0"/>
-                </a:spcBef>
-                <a:spcAft>
-                  <a:spcPts val="0"/>
-                </a:spcAft>
-                <a:buClrTx/>
-                <a:buSzTx/>
-                <a:buFontTx/>
-                <a:buNone/>
-                <a:tabLst/>
-                <a:defRPr/>
-              </a:pPr>
-              <a:t>11</a:t>
-            </a:fld>
-            <a:endParaRPr kumimoji="0" lang="ko-KR" altLang="en-US" sz="1200" b="0" i="0" u="none" strike="noStrike" kern="1200" cap="none" spc="0" normalizeH="0" baseline="0" noProof="0">
-              <a:ln>
-                <a:noFill/>
-              </a:ln>
-              <a:solidFill>
-                <a:prstClr val="black"/>
-              </a:solidFill>
-              <a:effectLst/>
-              <a:uLnTx/>
-              <a:uFillTx/>
-              <a:latin typeface="맑은 고딕"/>
-              <a:ea typeface="맑은 고딕" panose="020B0503020000020004" pitchFamily="50" charset="-127"/>
-              <a:cs typeface="+mn-cs"/>
-            </a:endParaRPr>
-          </a:p>
-        </p:txBody>
-      </p:sp>
-    </p:spTree>
-    <p:extLst>
-      <p:ext uri="{BB962C8B-B14F-4D97-AF65-F5344CB8AC3E}">
-        <p14:creationId xmlns:p14="http://schemas.microsoft.com/office/powerpoint/2010/main" val="1788472962"/>
-      </p:ext>
-    </p:extLst>
-  </p:cSld>
-  <p:clrMapOvr>
-    <a:masterClrMapping/>
-  </p:clrMapOvr>
-</p:notes>
-</file>
-
-<file path=ppt/notesSlides/notesSlide5.xml><?xml version="1.0" encoding="utf-8"?>
-<p:notes xmlns:a="http://schemas.openxmlformats.org/drawingml/2006/main" xmlns:r="http://schemas.openxmlformats.org/officeDocument/2006/relationships" xmlns:p="http://schemas.openxmlformats.org/presentationml/2006/main">
-  <p:cSld>
-    <p:spTree>
-      <p:nvGrpSpPr>
-        <p:cNvPr id="1" name=""/>
-        <p:cNvGrpSpPr/>
-        <p:nvPr/>
-      </p:nvGrpSpPr>
-      <p:grpSpPr>
-        <a:xfrm>
-          <a:off x="0" y="0"/>
-          <a:ext cx="0" cy="0"/>
-          <a:chOff x="0" y="0"/>
-          <a:chExt cx="0" cy="0"/>
-        </a:xfrm>
-      </p:grpSpPr>
-      <p:sp>
-        <p:nvSpPr>
-          <p:cNvPr id="2" name="슬라이드 이미지 개체 틀 1"/>
-          <p:cNvSpPr>
-            <a:spLocks noGrp="1" noRot="1" noChangeAspect="1"/>
-          </p:cNvSpPr>
-          <p:nvPr>
-            <p:ph type="sldImg"/>
-          </p:nvPr>
-        </p:nvSpPr>
-        <p:spPr>
-          <a:xfrm>
-            <a:off x="1371600" y="1143000"/>
-            <a:ext cx="4114800" cy="3086100"/>
-          </a:xfrm>
-        </p:spPr>
-      </p:sp>
-      <p:sp>
-        <p:nvSpPr>
-          <p:cNvPr id="3" name="슬라이드 노트 개체 틀 2"/>
-          <p:cNvSpPr>
-            <a:spLocks noGrp="1"/>
-          </p:cNvSpPr>
-          <p:nvPr>
-            <p:ph type="body" idx="1"/>
-          </p:nvPr>
-        </p:nvSpPr>
-        <p:spPr/>
-        <p:txBody>
-          <a:bodyPr/>
-          <a:lstStyle/>
-          <a:p>
-            <a:endParaRPr lang="ko-KR" altLang="en-US" dirty="0"/>
+            <a:r>
+              <a:rPr lang="en-US" altLang="ko-KR" dirty="0"/>
+              <a:t>Temp, </a:t>
+            </a:r>
+            <a:r>
+              <a:rPr lang="en-US" altLang="ko-KR" dirty="0" err="1"/>
+              <a:t>mtmep</a:t>
+            </a:r>
+            <a:r>
+              <a:rPr lang="en-US" altLang="ko-KR" dirty="0"/>
+              <a:t>, </a:t>
+            </a:r>
+            <a:r>
+              <a:rPr lang="en-US" altLang="ko-KR" dirty="0" err="1"/>
+              <a:t>nins</a:t>
+            </a:r>
+            <a:r>
+              <a:rPr lang="en-US" altLang="ko-KR" dirty="0"/>
+              <a:t>, amount, </a:t>
+            </a:r>
+            <a:r>
+              <a:rPr lang="en-US" altLang="ko-KR" dirty="0" err="1"/>
+              <a:t>uv_idx</a:t>
+            </a:r>
+            <a:r>
+              <a:rPr lang="en-US" altLang="ko-KR" dirty="0"/>
+              <a:t> </a:t>
+            </a:r>
+            <a:r>
+              <a:rPr lang="ko-KR" altLang="en-US" dirty="0"/>
+              <a:t>모두 </a:t>
+            </a:r>
+            <a:r>
+              <a:rPr lang="en-US" altLang="ko-KR" dirty="0"/>
+              <a:t>13~14</a:t>
+            </a:r>
+            <a:r>
+              <a:rPr lang="ko-KR" altLang="en-US" dirty="0"/>
+              <a:t>에 최고점을 향해 상향하고 이후에는 하향하는 추세를 가지고 있습니다</a:t>
+            </a:r>
+            <a:r>
+              <a:rPr lang="en-US" altLang="ko-KR" dirty="0"/>
+              <a:t>.</a:t>
+            </a:r>
           </a:p>
         </p:txBody>
       </p:sp>
@@ -1325,7 +3458,7 @@
             <a:spLocks noGrp="1"/>
           </p:cNvSpPr>
           <p:nvPr>
-            <p:ph type="sldNum" sz="quarter" idx="10"/>
+            <p:ph type="sldNum" sz="quarter" idx="5"/>
           </p:nvPr>
         </p:nvSpPr>
         <p:spPr/>
@@ -1333,78 +3466,19 @@
           <a:bodyPr/>
           <a:lstStyle/>
           <a:p>
-            <a:pPr marL="0" marR="0" lvl="0" indent="0" algn="r" defTabSz="914400" rtl="0" eaLnBrk="1" fontAlgn="auto" latinLnBrk="1" hangingPunct="1">
-              <a:lnSpc>
-                <a:spcPct val="100000"/>
-              </a:lnSpc>
-              <a:spcBef>
-                <a:spcPts val="0"/>
-              </a:spcBef>
-              <a:spcAft>
-                <a:spcPts val="0"/>
-              </a:spcAft>
-              <a:buClrTx/>
-              <a:buSzTx/>
-              <a:buFontTx/>
-              <a:buNone/>
-              <a:tabLst/>
-              <a:defRPr/>
-            </a:pPr>
-            <a:fld id="{C645BA3C-DA23-49EC-9B6B-FA5869968DF6}" type="slidenum">
-              <a:rPr kumimoji="0" lang="ko-KR" altLang="en-US" sz="1200" b="0" i="0" u="none" strike="noStrike" kern="1200" cap="none" spc="0" normalizeH="0" baseline="0" noProof="0" smtClean="0">
-                <a:ln>
-                  <a:noFill/>
-                </a:ln>
-                <a:solidFill>
-                  <a:prstClr val="black"/>
-                </a:solidFill>
-                <a:effectLst/>
-                <a:uLnTx/>
-                <a:uFillTx/>
-                <a:latin typeface="맑은 고딕"/>
-                <a:ea typeface="맑은 고딕" panose="020B0503020000020004" pitchFamily="50" charset="-127"/>
-                <a:cs typeface="+mn-cs"/>
-              </a:rPr>
-              <a:pPr marL="0" marR="0" lvl="0" indent="0" algn="r" defTabSz="914400" rtl="0" eaLnBrk="1" fontAlgn="auto" latinLnBrk="1" hangingPunct="1">
-                <a:lnSpc>
-                  <a:spcPct val="100000"/>
-                </a:lnSpc>
-                <a:spcBef>
-                  <a:spcPts val="0"/>
-                </a:spcBef>
-                <a:spcAft>
-                  <a:spcPts val="0"/>
-                </a:spcAft>
-                <a:buClrTx/>
-                <a:buSzTx/>
-                <a:buFontTx/>
-                <a:buNone/>
-                <a:tabLst/>
-                <a:defRPr/>
-              </a:pPr>
-              <a:t>17</a:t>
+            <a:fld id="{E33C9B0B-249D-456B-B735-3DD074CBA183}" type="slidenum">
+              <a:rPr lang="ko-KR" altLang="en-US" smtClean="0"/>
+              <a:pPr/>
+              <a:t>10</a:t>
             </a:fld>
-            <a:endParaRPr kumimoji="0" lang="ko-KR" altLang="en-US" sz="1200" b="0" i="0" u="none" strike="noStrike" kern="1200" cap="none" spc="0" normalizeH="0" baseline="0" noProof="0">
-              <a:ln>
-                <a:noFill/>
-              </a:ln>
-              <a:solidFill>
-                <a:prstClr val="black"/>
-              </a:solidFill>
-              <a:effectLst/>
-              <a:uLnTx/>
-              <a:uFillTx/>
-              <a:latin typeface="맑은 고딕"/>
-              <a:ea typeface="맑은 고딕" panose="020B0503020000020004" pitchFamily="50" charset="-127"/>
-              <a:cs typeface="+mn-cs"/>
-            </a:endParaRPr>
+            <a:endParaRPr lang="ko-KR" altLang="en-US"/>
           </a:p>
         </p:txBody>
       </p:sp>
     </p:spTree>
     <p:extLst>
       <p:ext uri="{BB962C8B-B14F-4D97-AF65-F5344CB8AC3E}">
-        <p14:creationId xmlns:p14="http://schemas.microsoft.com/office/powerpoint/2010/main" val="1147130203"/>
+        <p14:creationId xmlns:p14="http://schemas.microsoft.com/office/powerpoint/2010/main" val="3427568749"/>
       </p:ext>
     </p:extLst>
   </p:cSld>
@@ -5185,7 +7259,7 @@
           <p:nvPr/>
         </p:nvPicPr>
         <p:blipFill>
-          <a:blip r:embed="rId2"/>
+          <a:blip r:embed="rId3"/>
           <a:stretch>
             <a:fillRect/>
           </a:stretch>
@@ -7344,7 +9418,7 @@
               <a:rPr lang="en-US" altLang="ko-KR" dirty="0">
                 <a:ea typeface="나눔스퀘어" panose="020B0600000101010101"/>
               </a:rPr>
-              <a:t>Gens_ID0_Nins</a:t>
+              <a:t>Gens_ID0_mtemp</a:t>
             </a:r>
             <a:endParaRPr lang="ko-KR" altLang="en-US" dirty="0">
               <a:ea typeface="나눔스퀘어" panose="020B0600000101010101"/>
@@ -7710,7 +9784,7 @@
                 <a:avLst/>
               </a:prstGeom>
               <a:blipFill>
-                <a:blip r:embed="rId2"/>
+                <a:blip r:embed="rId3"/>
                 <a:stretch>
                   <a:fillRect b="-16667"/>
                 </a:stretch>
@@ -7831,7 +9905,7 @@
                 <a:avLst/>
               </a:prstGeom>
               <a:blipFill>
-                <a:blip r:embed="rId3"/>
+                <a:blip r:embed="rId4"/>
                 <a:stretch>
                   <a:fillRect b="-16393"/>
                 </a:stretch>
@@ -7952,7 +10026,7 @@
                 <a:avLst/>
               </a:prstGeom>
               <a:blipFill>
-                <a:blip r:embed="rId4"/>
+                <a:blip r:embed="rId5"/>
                 <a:stretch>
                   <a:fillRect b="-16393"/>
                 </a:stretch>
@@ -8235,7 +10309,7 @@
                 <a:avLst/>
               </a:prstGeom>
               <a:blipFill>
-                <a:blip r:embed="rId5"/>
+                <a:blip r:embed="rId6"/>
                 <a:stretch>
                   <a:fillRect l="-214" t="-962"/>
                 </a:stretch>
@@ -9073,7 +11147,7 @@
                 <a:avLst/>
               </a:prstGeom>
               <a:blipFill>
-                <a:blip r:embed="rId2"/>
+                <a:blip r:embed="rId3"/>
                 <a:stretch>
                   <a:fillRect l="-354" t="-457" r="-283" b="-915"/>
                 </a:stretch>
@@ -10887,7 +12961,7 @@
           <p:nvPr/>
         </p:nvPicPr>
         <p:blipFill>
-          <a:blip r:embed="rId2"/>
+          <a:blip r:embed="rId3"/>
           <a:stretch>
             <a:fillRect/>
           </a:stretch>
@@ -10917,7 +12991,7 @@
           <p:nvPr/>
         </p:nvPicPr>
         <p:blipFill rotWithShape="1">
-          <a:blip r:embed="rId3"/>
+          <a:blip r:embed="rId4"/>
           <a:srcRect b="5676"/>
           <a:stretch/>
         </p:blipFill>
@@ -11718,6 +13792,124 @@
       </p:grpSpPr>
       <p:sp>
         <p:nvSpPr>
+          <p:cNvPr id="4" name="직사각형 3"/>
+          <p:cNvSpPr/>
+          <p:nvPr/>
+        </p:nvSpPr>
+        <p:spPr>
+          <a:xfrm>
+            <a:off x="3614160" y="3315841"/>
+            <a:ext cx="1819729" cy="523220"/>
+          </a:xfrm>
+          <a:prstGeom prst="rect">
+            <a:avLst/>
+          </a:prstGeom>
+        </p:spPr>
+        <p:txBody>
+          <a:bodyPr wrap="none">
+            <a:spAutoFit/>
+          </a:bodyPr>
+          <a:lstStyle/>
+          <a:p>
+            <a:r>
+              <a:rPr lang="ko-KR" altLang="en-US" sz="2800" b="1" dirty="0">
+                <a:solidFill>
+                  <a:schemeClr val="accent1">
+                    <a:lumMod val="75000"/>
+                  </a:schemeClr>
+                </a:solidFill>
+                <a:latin typeface="나눔스퀘어" panose="020B0600000101010101" pitchFamily="50" charset="-127"/>
+                <a:ea typeface="나눔스퀘어" panose="020B0600000101010101" pitchFamily="50" charset="-127"/>
+                <a:cs typeface="Verdana" pitchFamily="34" charset="0"/>
+              </a:rPr>
+              <a:t>감사합니다</a:t>
+            </a:r>
+            <a:endParaRPr lang="ko-KR" altLang="en-US" sz="2800" b="1" dirty="0">
+              <a:solidFill>
+                <a:schemeClr val="accent1">
+                  <a:lumMod val="75000"/>
+                </a:schemeClr>
+              </a:solidFill>
+              <a:latin typeface="나눔스퀘어" panose="020B0600000101010101" pitchFamily="50" charset="-127"/>
+              <a:ea typeface="나눔스퀘어" panose="020B0600000101010101" pitchFamily="50" charset="-127"/>
+            </a:endParaRPr>
+          </a:p>
+        </p:txBody>
+      </p:sp>
+      <p:sp>
+        <p:nvSpPr>
+          <p:cNvPr id="3" name="슬라이드 번호 개체 틀 2">
+            <a:extLst>
+              <a:ext uri="{FF2B5EF4-FFF2-40B4-BE49-F238E27FC236}">
+                <a16:creationId xmlns:a16="http://schemas.microsoft.com/office/drawing/2014/main" id="{6AF80011-BDF3-8A03-CD45-0C7537EEBEED}"/>
+              </a:ext>
+            </a:extLst>
+          </p:cNvPr>
+          <p:cNvSpPr>
+            <a:spLocks noGrp="1"/>
+          </p:cNvSpPr>
+          <p:nvPr>
+            <p:ph type="sldNum" sz="quarter" idx="13"/>
+          </p:nvPr>
+        </p:nvSpPr>
+        <p:spPr/>
+        <p:txBody>
+          <a:bodyPr/>
+          <a:lstStyle/>
+          <a:p>
+            <a:fld id="{E1C4D39F-3D66-4B74-8EFE-169C2D4CE6DF}" type="slidenum">
+              <a:rPr lang="ko-KR" altLang="en-US" smtClean="0">
+                <a:solidFill>
+                  <a:prstClr val="black">
+                    <a:tint val="75000"/>
+                  </a:prstClr>
+                </a:solidFill>
+              </a:rPr>
+              <a:pPr/>
+              <a:t>19</a:t>
+            </a:fld>
+            <a:endParaRPr lang="ko-KR" altLang="en-US">
+              <a:solidFill>
+                <a:prstClr val="black">
+                  <a:tint val="75000"/>
+                </a:prstClr>
+              </a:solidFill>
+            </a:endParaRPr>
+          </a:p>
+        </p:txBody>
+      </p:sp>
+    </p:spTree>
+    <p:extLst>
+      <p:ext uri="{BB962C8B-B14F-4D97-AF65-F5344CB8AC3E}">
+        <p14:creationId xmlns:p14="http://schemas.microsoft.com/office/powerpoint/2010/main" val="18755796"/>
+      </p:ext>
+    </p:extLst>
+  </p:cSld>
+  <p:clrMapOvr>
+    <a:masterClrMapping/>
+  </p:clrMapOvr>
+</p:sld>
+</file>
+
+<file path=ppt/slides/slide2.xml><?xml version="1.0" encoding="utf-8"?>
+<p:sld xmlns:a="http://schemas.openxmlformats.org/drawingml/2006/main" xmlns:r="http://schemas.openxmlformats.org/officeDocument/2006/relationships" xmlns:p="http://schemas.openxmlformats.org/presentationml/2006/main">
+  <p:cSld>
+    <p:spTree>
+      <p:nvGrpSpPr>
+        <p:cNvPr id="1" name=""/>
+        <p:cNvGrpSpPr/>
+        <p:nvPr/>
+      </p:nvGrpSpPr>
+      <p:grpSpPr>
+        <a:xfrm>
+          <a:off x="0" y="0"/>
+          <a:ext cx="0" cy="0"/>
+          <a:chOff x="0" y="0"/>
+          <a:chExt cx="0" cy="0"/>
+        </a:xfrm>
+      </p:grpSpPr>
+      <p:sp>
+        <p:nvSpPr>
           <p:cNvPr id="2" name="제목 1">
             <a:extLst>
               <a:ext uri="{FF2B5EF4-FFF2-40B4-BE49-F238E27FC236}">
@@ -11738,51 +13930,15 @@
           <a:lstStyle/>
           <a:p>
             <a:r>
-              <a:rPr lang="ko-KR" altLang="en-US" dirty="0">
+              <a:rPr lang="en-US" altLang="ko-KR" dirty="0">
                 <a:latin typeface="나눔스퀘어" panose="020B0600000101010101" pitchFamily="50" charset="-127"/>
-                <a:ea typeface="나눔스퀘어" panose="020B0600000101010101" pitchFamily="50" charset="-127"/>
               </a:rPr>
-              <a:t>부록</a:t>
-            </a:r>
-          </a:p>
-        </p:txBody>
-      </p:sp>
-      <p:sp>
-        <p:nvSpPr>
-          <p:cNvPr id="3" name="TextBox 2">
-            <a:extLst>
-              <a:ext uri="{FF2B5EF4-FFF2-40B4-BE49-F238E27FC236}">
-                <a16:creationId xmlns:a16="http://schemas.microsoft.com/office/drawing/2014/main" id="{DD39171D-2A5C-4175-7C59-47C4BD76E1B4}"/>
-              </a:ext>
-            </a:extLst>
-          </p:cNvPr>
-          <p:cNvSpPr txBox="1"/>
-          <p:nvPr/>
-        </p:nvSpPr>
-        <p:spPr>
-          <a:xfrm>
-            <a:off x="251519" y="788565"/>
-            <a:ext cx="8619525" cy="461665"/>
-          </a:xfrm>
-          <a:prstGeom prst="rect">
-            <a:avLst/>
-          </a:prstGeom>
-          <a:noFill/>
-        </p:spPr>
-        <p:txBody>
-          <a:bodyPr wrap="square" rtlCol="0">
-            <a:spAutoFit/>
-          </a:bodyPr>
-          <a:lstStyle/>
-          <a:p>
-            <a:r>
-              <a:rPr lang="en-US" altLang="ko-KR" sz="2400" dirty="0">
-                <a:latin typeface="나눔스퀘어" panose="020B0600000101010101" pitchFamily="50" charset="-127"/>
-                <a:ea typeface="나눔스퀘어" panose="020B0600000101010101" pitchFamily="50" charset="-127"/>
-              </a:rPr>
-              <a:t>Physics Hybrid Model</a:t>
-            </a:r>
-            <a:endParaRPr lang="en-US" altLang="ko-KR" sz="2400" b="0" dirty="0"/>
+              <a:t>CONTENTS</a:t>
+            </a:r>
+            <a:endParaRPr lang="ko-KR" altLang="en-US" dirty="0">
+              <a:latin typeface="나눔스퀘어" panose="020B0600000101010101" pitchFamily="50" charset="-127"/>
+              <a:ea typeface="나눔스퀘어" panose="020B0600000101010101" pitchFamily="50" charset="-127"/>
+            </a:endParaRPr>
           </a:p>
         </p:txBody>
       </p:sp>
@@ -11816,7 +13972,286 @@
                 </a:solidFill>
               </a:rPr>
               <a:pPr/>
-              <a:t>19</a:t>
+              <a:t>2</a:t>
+            </a:fld>
+            <a:endParaRPr lang="ko-KR" altLang="en-US" dirty="0">
+              <a:solidFill>
+                <a:prstClr val="black">
+                  <a:tint val="75000"/>
+                </a:prstClr>
+              </a:solidFill>
+            </a:endParaRPr>
+          </a:p>
+        </p:txBody>
+      </p:sp>
+      <p:sp>
+        <p:nvSpPr>
+          <p:cNvPr id="7" name="TextBox 6">
+            <a:extLst>
+              <a:ext uri="{FF2B5EF4-FFF2-40B4-BE49-F238E27FC236}">
+                <a16:creationId xmlns:a16="http://schemas.microsoft.com/office/drawing/2014/main" id="{7919B4E1-0607-5AB7-5925-45B7BCB8D1A0}"/>
+              </a:ext>
+            </a:extLst>
+          </p:cNvPr>
+          <p:cNvSpPr txBox="1"/>
+          <p:nvPr/>
+        </p:nvSpPr>
+        <p:spPr>
+          <a:xfrm>
+            <a:off x="262237" y="1566118"/>
+            <a:ext cx="8619525" cy="3785652"/>
+          </a:xfrm>
+          <a:prstGeom prst="rect">
+            <a:avLst/>
+          </a:prstGeom>
+          <a:noFill/>
+        </p:spPr>
+        <p:txBody>
+          <a:bodyPr wrap="square" rtlCol="0">
+            <a:spAutoFit/>
+          </a:bodyPr>
+          <a:lstStyle/>
+          <a:p>
+            <a:r>
+              <a:rPr lang="en-US" altLang="ko-KR" sz="2400" dirty="0">
+                <a:latin typeface="나눔스퀘어" panose="020B0600000101010101" pitchFamily="50" charset="-127"/>
+                <a:ea typeface="나눔스퀘어" panose="020B0600000101010101" pitchFamily="50" charset="-127"/>
+              </a:rPr>
+              <a:t>01 </a:t>
+            </a:r>
+            <a:r>
+              <a:rPr lang="ko-KR" altLang="en-US" sz="2400" dirty="0">
+                <a:latin typeface="나눔스퀘어" panose="020B0600000101010101" pitchFamily="50" charset="-127"/>
+                <a:ea typeface="나눔스퀘어" panose="020B0600000101010101" pitchFamily="50" charset="-127"/>
+              </a:rPr>
+              <a:t>서론</a:t>
+            </a:r>
+            <a:endParaRPr lang="en-US" altLang="ko-KR" sz="2400" dirty="0">
+              <a:latin typeface="나눔스퀘어" panose="020B0600000101010101" pitchFamily="50" charset="-127"/>
+              <a:ea typeface="나눔스퀘어" panose="020B0600000101010101" pitchFamily="50" charset="-127"/>
+            </a:endParaRPr>
+          </a:p>
+          <a:p>
+            <a:endParaRPr lang="en-US" altLang="ko-KR" sz="2400" dirty="0">
+              <a:latin typeface="나눔스퀘어" panose="020B0600000101010101" pitchFamily="50" charset="-127"/>
+              <a:ea typeface="나눔스퀘어" panose="020B0600000101010101" pitchFamily="50" charset="-127"/>
+            </a:endParaRPr>
+          </a:p>
+          <a:p>
+            <a:endParaRPr lang="en-US" altLang="ko-KR" sz="2400" dirty="0">
+              <a:latin typeface="나눔스퀘어" panose="020B0600000101010101" pitchFamily="50" charset="-127"/>
+              <a:ea typeface="나눔스퀘어" panose="020B0600000101010101" pitchFamily="50" charset="-127"/>
+            </a:endParaRPr>
+          </a:p>
+          <a:p>
+            <a:r>
+              <a:rPr lang="en-US" altLang="ko-KR" sz="2400" dirty="0">
+                <a:latin typeface="나눔스퀘어" panose="020B0600000101010101" pitchFamily="50" charset="-127"/>
+                <a:ea typeface="나눔스퀘어" panose="020B0600000101010101" pitchFamily="50" charset="-127"/>
+              </a:rPr>
+              <a:t>02 EDA</a:t>
+            </a:r>
+          </a:p>
+          <a:p>
+            <a:endParaRPr lang="en-US" altLang="ko-KR" sz="2400" dirty="0">
+              <a:latin typeface="나눔스퀘어" panose="020B0600000101010101" pitchFamily="50" charset="-127"/>
+              <a:ea typeface="나눔스퀘어" panose="020B0600000101010101" pitchFamily="50" charset="-127"/>
+            </a:endParaRPr>
+          </a:p>
+          <a:p>
+            <a:endParaRPr lang="en-US" altLang="ko-KR" sz="2400" dirty="0">
+              <a:latin typeface="나눔스퀘어" panose="020B0600000101010101" pitchFamily="50" charset="-127"/>
+              <a:ea typeface="나눔스퀘어" panose="020B0600000101010101" pitchFamily="50" charset="-127"/>
+            </a:endParaRPr>
+          </a:p>
+          <a:p>
+            <a:r>
+              <a:rPr lang="en-US" altLang="ko-KR" sz="2400" dirty="0">
+                <a:latin typeface="나눔스퀘어" panose="020B0600000101010101" pitchFamily="50" charset="-127"/>
+                <a:ea typeface="나눔스퀘어" panose="020B0600000101010101" pitchFamily="50" charset="-127"/>
+              </a:rPr>
+              <a:t>03 </a:t>
+            </a:r>
+            <a:r>
+              <a:rPr lang="ko-KR" altLang="en-US" sz="2400" dirty="0">
+                <a:latin typeface="나눔스퀘어" panose="020B0600000101010101" pitchFamily="50" charset="-127"/>
+                <a:ea typeface="나눔스퀘어" panose="020B0600000101010101" pitchFamily="50" charset="-127"/>
+              </a:rPr>
+              <a:t>태양광 발전 모델링</a:t>
+            </a:r>
+            <a:endParaRPr lang="en-US" altLang="ko-KR" sz="2400" dirty="0">
+              <a:latin typeface="나눔스퀘어" panose="020B0600000101010101" pitchFamily="50" charset="-127"/>
+              <a:ea typeface="나눔스퀘어" panose="020B0600000101010101" pitchFamily="50" charset="-127"/>
+            </a:endParaRPr>
+          </a:p>
+          <a:p>
+            <a:endParaRPr lang="en-US" altLang="ko-KR" sz="2400" dirty="0">
+              <a:latin typeface="나눔스퀘어" panose="020B0600000101010101" pitchFamily="50" charset="-127"/>
+              <a:ea typeface="나눔스퀘어" panose="020B0600000101010101" pitchFamily="50" charset="-127"/>
+            </a:endParaRPr>
+          </a:p>
+          <a:p>
+            <a:endParaRPr lang="en-US" altLang="ko-KR" sz="2400" dirty="0">
+              <a:latin typeface="나눔스퀘어" panose="020B0600000101010101" pitchFamily="50" charset="-127"/>
+              <a:ea typeface="나눔스퀘어" panose="020B0600000101010101" pitchFamily="50" charset="-127"/>
+            </a:endParaRPr>
+          </a:p>
+          <a:p>
+            <a:r>
+              <a:rPr lang="en-US" altLang="ko-KR" sz="2400" dirty="0">
+                <a:latin typeface="나눔스퀘어" panose="020B0600000101010101" pitchFamily="50" charset="-127"/>
+                <a:ea typeface="나눔스퀘어" panose="020B0600000101010101" pitchFamily="50" charset="-127"/>
+              </a:rPr>
+              <a:t>04 </a:t>
+            </a:r>
+            <a:r>
+              <a:rPr lang="ko-KR" altLang="en-US" sz="2400" dirty="0">
+                <a:latin typeface="나눔스퀘어" panose="020B0600000101010101" pitchFamily="50" charset="-127"/>
+                <a:ea typeface="나눔스퀘어" panose="020B0600000101010101" pitchFamily="50" charset="-127"/>
+              </a:rPr>
+              <a:t>결론 및 향후 계획</a:t>
+            </a:r>
+            <a:r>
+              <a:rPr lang="en-US" altLang="ko-KR" sz="2400" dirty="0">
+                <a:latin typeface="나눔스퀘어" panose="020B0600000101010101" pitchFamily="50" charset="-127"/>
+                <a:ea typeface="나눔스퀘어" panose="020B0600000101010101" pitchFamily="50" charset="-127"/>
+              </a:rPr>
+              <a:t> </a:t>
+            </a:r>
+          </a:p>
+        </p:txBody>
+      </p:sp>
+    </p:spTree>
+    <p:extLst>
+      <p:ext uri="{BB962C8B-B14F-4D97-AF65-F5344CB8AC3E}">
+        <p14:creationId xmlns:p14="http://schemas.microsoft.com/office/powerpoint/2010/main" val="3368341363"/>
+      </p:ext>
+    </p:extLst>
+  </p:cSld>
+  <p:clrMapOvr>
+    <a:masterClrMapping/>
+  </p:clrMapOvr>
+</p:sld>
+</file>
+
+<file path=ppt/slides/slide20.xml><?xml version="1.0" encoding="utf-8"?>
+<p:sld xmlns:a="http://schemas.openxmlformats.org/drawingml/2006/main" xmlns:r="http://schemas.openxmlformats.org/officeDocument/2006/relationships" xmlns:p="http://schemas.openxmlformats.org/presentationml/2006/main">
+  <p:cSld>
+    <p:spTree>
+      <p:nvGrpSpPr>
+        <p:cNvPr id="1" name=""/>
+        <p:cNvGrpSpPr/>
+        <p:nvPr/>
+      </p:nvGrpSpPr>
+      <p:grpSpPr>
+        <a:xfrm>
+          <a:off x="0" y="0"/>
+          <a:ext cx="0" cy="0"/>
+          <a:chOff x="0" y="0"/>
+          <a:chExt cx="0" cy="0"/>
+        </a:xfrm>
+      </p:grpSpPr>
+      <p:sp>
+        <p:nvSpPr>
+          <p:cNvPr id="2" name="제목 1">
+            <a:extLst>
+              <a:ext uri="{FF2B5EF4-FFF2-40B4-BE49-F238E27FC236}">
+                <a16:creationId xmlns:a16="http://schemas.microsoft.com/office/drawing/2014/main" id="{6A1795C2-E97B-2964-AD1B-1D1DDE1BA52B}"/>
+              </a:ext>
+            </a:extLst>
+          </p:cNvPr>
+          <p:cNvSpPr>
+            <a:spLocks noGrp="1"/>
+          </p:cNvSpPr>
+          <p:nvPr>
+            <p:ph type="title"/>
+          </p:nvPr>
+        </p:nvSpPr>
+        <p:spPr/>
+        <p:txBody>
+          <a:bodyPr/>
+          <a:lstStyle/>
+          <a:p>
+            <a:r>
+              <a:rPr lang="ko-KR" altLang="en-US" dirty="0">
+                <a:latin typeface="나눔스퀘어" panose="020B0600000101010101" pitchFamily="50" charset="-127"/>
+                <a:ea typeface="나눔스퀘어" panose="020B0600000101010101" pitchFamily="50" charset="-127"/>
+              </a:rPr>
+              <a:t>부록</a:t>
+            </a:r>
+          </a:p>
+        </p:txBody>
+      </p:sp>
+      <p:sp>
+        <p:nvSpPr>
+          <p:cNvPr id="3" name="TextBox 2">
+            <a:extLst>
+              <a:ext uri="{FF2B5EF4-FFF2-40B4-BE49-F238E27FC236}">
+                <a16:creationId xmlns:a16="http://schemas.microsoft.com/office/drawing/2014/main" id="{DD39171D-2A5C-4175-7C59-47C4BD76E1B4}"/>
+              </a:ext>
+            </a:extLst>
+          </p:cNvPr>
+          <p:cNvSpPr txBox="1"/>
+          <p:nvPr/>
+        </p:nvSpPr>
+        <p:spPr>
+          <a:xfrm>
+            <a:off x="251519" y="788565"/>
+            <a:ext cx="8619525" cy="461665"/>
+          </a:xfrm>
+          <a:prstGeom prst="rect">
+            <a:avLst/>
+          </a:prstGeom>
+          <a:noFill/>
+        </p:spPr>
+        <p:txBody>
+          <a:bodyPr wrap="square" rtlCol="0">
+            <a:spAutoFit/>
+          </a:bodyPr>
+          <a:lstStyle/>
+          <a:p>
+            <a:r>
+              <a:rPr lang="en-US" altLang="ko-KR" sz="2400" dirty="0">
+                <a:latin typeface="나눔스퀘어" panose="020B0600000101010101" pitchFamily="50" charset="-127"/>
+                <a:ea typeface="나눔스퀘어" panose="020B0600000101010101" pitchFamily="50" charset="-127"/>
+              </a:rPr>
+              <a:t>Physics Hybrid Model</a:t>
+            </a:r>
+            <a:endParaRPr lang="en-US" altLang="ko-KR" sz="2400" b="0" dirty="0"/>
+          </a:p>
+        </p:txBody>
+      </p:sp>
+      <p:sp>
+        <p:nvSpPr>
+          <p:cNvPr id="5" name="슬라이드 번호 개체 틀 4">
+            <a:extLst>
+              <a:ext uri="{FF2B5EF4-FFF2-40B4-BE49-F238E27FC236}">
+                <a16:creationId xmlns:a16="http://schemas.microsoft.com/office/drawing/2014/main" id="{B45F72B5-F355-A6C1-3532-19FB7B4C9D09}"/>
+              </a:ext>
+            </a:extLst>
+          </p:cNvPr>
+          <p:cNvSpPr>
+            <a:spLocks noGrp="1"/>
+          </p:cNvSpPr>
+          <p:nvPr>
+            <p:ph type="sldNum" sz="quarter" idx="13"/>
+          </p:nvPr>
+        </p:nvSpPr>
+        <p:spPr/>
+        <p:txBody>
+          <a:bodyPr/>
+          <a:lstStyle/>
+          <a:p>
+            <a:fld id="{E1C4D39F-3D66-4B74-8EFE-169C2D4CE6DF}" type="slidenum">
+              <a:rPr lang="ko-KR" altLang="en-US" smtClean="0">
+                <a:solidFill>
+                  <a:prstClr val="black">
+                    <a:tint val="75000"/>
+                  </a:prstClr>
+                </a:solidFill>
+              </a:rPr>
+              <a:pPr/>
+              <a:t>20</a:t>
             </a:fld>
             <a:endParaRPr lang="ko-KR" altLang="en-US" dirty="0">
               <a:solidFill>
@@ -13424,367 +15859,6 @@
 </p:sld>
 </file>
 
-<file path=ppt/slides/slide2.xml><?xml version="1.0" encoding="utf-8"?>
-<p:sld xmlns:a="http://schemas.openxmlformats.org/drawingml/2006/main" xmlns:r="http://schemas.openxmlformats.org/officeDocument/2006/relationships" xmlns:p="http://schemas.openxmlformats.org/presentationml/2006/main">
-  <p:cSld>
-    <p:spTree>
-      <p:nvGrpSpPr>
-        <p:cNvPr id="1" name=""/>
-        <p:cNvGrpSpPr/>
-        <p:nvPr/>
-      </p:nvGrpSpPr>
-      <p:grpSpPr>
-        <a:xfrm>
-          <a:off x="0" y="0"/>
-          <a:ext cx="0" cy="0"/>
-          <a:chOff x="0" y="0"/>
-          <a:chExt cx="0" cy="0"/>
-        </a:xfrm>
-      </p:grpSpPr>
-      <p:sp>
-        <p:nvSpPr>
-          <p:cNvPr id="2" name="제목 1">
-            <a:extLst>
-              <a:ext uri="{FF2B5EF4-FFF2-40B4-BE49-F238E27FC236}">
-                <a16:creationId xmlns:a16="http://schemas.microsoft.com/office/drawing/2014/main" id="{6A1795C2-E97B-2964-AD1B-1D1DDE1BA52B}"/>
-              </a:ext>
-            </a:extLst>
-          </p:cNvPr>
-          <p:cNvSpPr>
-            <a:spLocks noGrp="1"/>
-          </p:cNvSpPr>
-          <p:nvPr>
-            <p:ph type="title"/>
-          </p:nvPr>
-        </p:nvSpPr>
-        <p:spPr/>
-        <p:txBody>
-          <a:bodyPr/>
-          <a:lstStyle/>
-          <a:p>
-            <a:r>
-              <a:rPr lang="en-US" altLang="ko-KR" dirty="0">
-                <a:latin typeface="나눔스퀘어" panose="020B0600000101010101" pitchFamily="50" charset="-127"/>
-              </a:rPr>
-              <a:t>CONTENTS</a:t>
-            </a:r>
-            <a:endParaRPr lang="ko-KR" altLang="en-US" dirty="0">
-              <a:latin typeface="나눔스퀘어" panose="020B0600000101010101" pitchFamily="50" charset="-127"/>
-              <a:ea typeface="나눔스퀘어" panose="020B0600000101010101" pitchFamily="50" charset="-127"/>
-            </a:endParaRPr>
-          </a:p>
-        </p:txBody>
-      </p:sp>
-      <p:sp>
-        <p:nvSpPr>
-          <p:cNvPr id="5" name="슬라이드 번호 개체 틀 4">
-            <a:extLst>
-              <a:ext uri="{FF2B5EF4-FFF2-40B4-BE49-F238E27FC236}">
-                <a16:creationId xmlns:a16="http://schemas.microsoft.com/office/drawing/2014/main" id="{B45F72B5-F355-A6C1-3532-19FB7B4C9D09}"/>
-              </a:ext>
-            </a:extLst>
-          </p:cNvPr>
-          <p:cNvSpPr>
-            <a:spLocks noGrp="1"/>
-          </p:cNvSpPr>
-          <p:nvPr>
-            <p:ph type="sldNum" sz="quarter" idx="13"/>
-          </p:nvPr>
-        </p:nvSpPr>
-        <p:spPr/>
-        <p:txBody>
-          <a:bodyPr/>
-          <a:lstStyle/>
-          <a:p>
-            <a:fld id="{E1C4D39F-3D66-4B74-8EFE-169C2D4CE6DF}" type="slidenum">
-              <a:rPr lang="ko-KR" altLang="en-US" smtClean="0">
-                <a:solidFill>
-                  <a:prstClr val="black">
-                    <a:tint val="75000"/>
-                  </a:prstClr>
-                </a:solidFill>
-              </a:rPr>
-              <a:pPr/>
-              <a:t>2</a:t>
-            </a:fld>
-            <a:endParaRPr lang="ko-KR" altLang="en-US" dirty="0">
-              <a:solidFill>
-                <a:prstClr val="black">
-                  <a:tint val="75000"/>
-                </a:prstClr>
-              </a:solidFill>
-            </a:endParaRPr>
-          </a:p>
-        </p:txBody>
-      </p:sp>
-      <p:sp>
-        <p:nvSpPr>
-          <p:cNvPr id="7" name="TextBox 6">
-            <a:extLst>
-              <a:ext uri="{FF2B5EF4-FFF2-40B4-BE49-F238E27FC236}">
-                <a16:creationId xmlns:a16="http://schemas.microsoft.com/office/drawing/2014/main" id="{7919B4E1-0607-5AB7-5925-45B7BCB8D1A0}"/>
-              </a:ext>
-            </a:extLst>
-          </p:cNvPr>
-          <p:cNvSpPr txBox="1"/>
-          <p:nvPr/>
-        </p:nvSpPr>
-        <p:spPr>
-          <a:xfrm>
-            <a:off x="262237" y="1566118"/>
-            <a:ext cx="8619525" cy="3785652"/>
-          </a:xfrm>
-          <a:prstGeom prst="rect">
-            <a:avLst/>
-          </a:prstGeom>
-          <a:noFill/>
-        </p:spPr>
-        <p:txBody>
-          <a:bodyPr wrap="square" rtlCol="0">
-            <a:spAutoFit/>
-          </a:bodyPr>
-          <a:lstStyle/>
-          <a:p>
-            <a:r>
-              <a:rPr lang="en-US" altLang="ko-KR" sz="2400" dirty="0">
-                <a:latin typeface="나눔스퀘어" panose="020B0600000101010101" pitchFamily="50" charset="-127"/>
-                <a:ea typeface="나눔스퀘어" panose="020B0600000101010101" pitchFamily="50" charset="-127"/>
-              </a:rPr>
-              <a:t>01 </a:t>
-            </a:r>
-            <a:r>
-              <a:rPr lang="ko-KR" altLang="en-US" sz="2400" dirty="0">
-                <a:latin typeface="나눔스퀘어" panose="020B0600000101010101" pitchFamily="50" charset="-127"/>
-                <a:ea typeface="나눔스퀘어" panose="020B0600000101010101" pitchFamily="50" charset="-127"/>
-              </a:rPr>
-              <a:t>서론</a:t>
-            </a:r>
-            <a:endParaRPr lang="en-US" altLang="ko-KR" sz="2400" dirty="0">
-              <a:latin typeface="나눔스퀘어" panose="020B0600000101010101" pitchFamily="50" charset="-127"/>
-              <a:ea typeface="나눔스퀘어" panose="020B0600000101010101" pitchFamily="50" charset="-127"/>
-            </a:endParaRPr>
-          </a:p>
-          <a:p>
-            <a:endParaRPr lang="en-US" altLang="ko-KR" sz="2400" dirty="0">
-              <a:latin typeface="나눔스퀘어" panose="020B0600000101010101" pitchFamily="50" charset="-127"/>
-              <a:ea typeface="나눔스퀘어" panose="020B0600000101010101" pitchFamily="50" charset="-127"/>
-            </a:endParaRPr>
-          </a:p>
-          <a:p>
-            <a:endParaRPr lang="en-US" altLang="ko-KR" sz="2400" dirty="0">
-              <a:latin typeface="나눔스퀘어" panose="020B0600000101010101" pitchFamily="50" charset="-127"/>
-              <a:ea typeface="나눔스퀘어" panose="020B0600000101010101" pitchFamily="50" charset="-127"/>
-            </a:endParaRPr>
-          </a:p>
-          <a:p>
-            <a:r>
-              <a:rPr lang="en-US" altLang="ko-KR" sz="2400" dirty="0">
-                <a:latin typeface="나눔스퀘어" panose="020B0600000101010101" pitchFamily="50" charset="-127"/>
-                <a:ea typeface="나눔스퀘어" panose="020B0600000101010101" pitchFamily="50" charset="-127"/>
-              </a:rPr>
-              <a:t>02 EDA</a:t>
-            </a:r>
-          </a:p>
-          <a:p>
-            <a:endParaRPr lang="en-US" altLang="ko-KR" sz="2400" dirty="0">
-              <a:latin typeface="나눔스퀘어" panose="020B0600000101010101" pitchFamily="50" charset="-127"/>
-              <a:ea typeface="나눔스퀘어" panose="020B0600000101010101" pitchFamily="50" charset="-127"/>
-            </a:endParaRPr>
-          </a:p>
-          <a:p>
-            <a:endParaRPr lang="en-US" altLang="ko-KR" sz="2400" dirty="0">
-              <a:latin typeface="나눔스퀘어" panose="020B0600000101010101" pitchFamily="50" charset="-127"/>
-              <a:ea typeface="나눔스퀘어" panose="020B0600000101010101" pitchFamily="50" charset="-127"/>
-            </a:endParaRPr>
-          </a:p>
-          <a:p>
-            <a:r>
-              <a:rPr lang="en-US" altLang="ko-KR" sz="2400" dirty="0">
-                <a:latin typeface="나눔스퀘어" panose="020B0600000101010101" pitchFamily="50" charset="-127"/>
-                <a:ea typeface="나눔스퀘어" panose="020B0600000101010101" pitchFamily="50" charset="-127"/>
-              </a:rPr>
-              <a:t>03 </a:t>
-            </a:r>
-            <a:r>
-              <a:rPr lang="ko-KR" altLang="en-US" sz="2400" dirty="0">
-                <a:latin typeface="나눔스퀘어" panose="020B0600000101010101" pitchFamily="50" charset="-127"/>
-                <a:ea typeface="나눔스퀘어" panose="020B0600000101010101" pitchFamily="50" charset="-127"/>
-              </a:rPr>
-              <a:t>태양광 발전 모델링</a:t>
-            </a:r>
-            <a:endParaRPr lang="en-US" altLang="ko-KR" sz="2400" dirty="0">
-              <a:latin typeface="나눔스퀘어" panose="020B0600000101010101" pitchFamily="50" charset="-127"/>
-              <a:ea typeface="나눔스퀘어" panose="020B0600000101010101" pitchFamily="50" charset="-127"/>
-            </a:endParaRPr>
-          </a:p>
-          <a:p>
-            <a:endParaRPr lang="en-US" altLang="ko-KR" sz="2400" dirty="0">
-              <a:latin typeface="나눔스퀘어" panose="020B0600000101010101" pitchFamily="50" charset="-127"/>
-              <a:ea typeface="나눔스퀘어" panose="020B0600000101010101" pitchFamily="50" charset="-127"/>
-            </a:endParaRPr>
-          </a:p>
-          <a:p>
-            <a:endParaRPr lang="en-US" altLang="ko-KR" sz="2400" dirty="0">
-              <a:latin typeface="나눔스퀘어" panose="020B0600000101010101" pitchFamily="50" charset="-127"/>
-              <a:ea typeface="나눔스퀘어" panose="020B0600000101010101" pitchFamily="50" charset="-127"/>
-            </a:endParaRPr>
-          </a:p>
-          <a:p>
-            <a:r>
-              <a:rPr lang="en-US" altLang="ko-KR" sz="2400" dirty="0">
-                <a:latin typeface="나눔스퀘어" panose="020B0600000101010101" pitchFamily="50" charset="-127"/>
-                <a:ea typeface="나눔스퀘어" panose="020B0600000101010101" pitchFamily="50" charset="-127"/>
-              </a:rPr>
-              <a:t>04 </a:t>
-            </a:r>
-            <a:r>
-              <a:rPr lang="ko-KR" altLang="en-US" sz="2400" dirty="0">
-                <a:latin typeface="나눔스퀘어" panose="020B0600000101010101" pitchFamily="50" charset="-127"/>
-                <a:ea typeface="나눔스퀘어" panose="020B0600000101010101" pitchFamily="50" charset="-127"/>
-              </a:rPr>
-              <a:t>결론 및 향후 계획</a:t>
-            </a:r>
-            <a:r>
-              <a:rPr lang="en-US" altLang="ko-KR" sz="2400" dirty="0">
-                <a:latin typeface="나눔스퀘어" panose="020B0600000101010101" pitchFamily="50" charset="-127"/>
-                <a:ea typeface="나눔스퀘어" panose="020B0600000101010101" pitchFamily="50" charset="-127"/>
-              </a:rPr>
-              <a:t> </a:t>
-            </a:r>
-          </a:p>
-        </p:txBody>
-      </p:sp>
-    </p:spTree>
-    <p:extLst>
-      <p:ext uri="{BB962C8B-B14F-4D97-AF65-F5344CB8AC3E}">
-        <p14:creationId xmlns:p14="http://schemas.microsoft.com/office/powerpoint/2010/main" val="3368341363"/>
-      </p:ext>
-    </p:extLst>
-  </p:cSld>
-  <p:clrMapOvr>
-    <a:masterClrMapping/>
-  </p:clrMapOvr>
-</p:sld>
-</file>
-
-<file path=ppt/slides/slide20.xml><?xml version="1.0" encoding="utf-8"?>
-<p:sld xmlns:a="http://schemas.openxmlformats.org/drawingml/2006/main" xmlns:r="http://schemas.openxmlformats.org/officeDocument/2006/relationships" xmlns:p="http://schemas.openxmlformats.org/presentationml/2006/main">
-  <p:cSld>
-    <p:spTree>
-      <p:nvGrpSpPr>
-        <p:cNvPr id="1" name=""/>
-        <p:cNvGrpSpPr/>
-        <p:nvPr/>
-      </p:nvGrpSpPr>
-      <p:grpSpPr>
-        <a:xfrm>
-          <a:off x="0" y="0"/>
-          <a:ext cx="0" cy="0"/>
-          <a:chOff x="0" y="0"/>
-          <a:chExt cx="0" cy="0"/>
-        </a:xfrm>
-      </p:grpSpPr>
-      <p:sp>
-        <p:nvSpPr>
-          <p:cNvPr id="4" name="직사각형 3"/>
-          <p:cNvSpPr/>
-          <p:nvPr/>
-        </p:nvSpPr>
-        <p:spPr>
-          <a:xfrm>
-            <a:off x="3614160" y="3315841"/>
-            <a:ext cx="1819729" cy="523220"/>
-          </a:xfrm>
-          <a:prstGeom prst="rect">
-            <a:avLst/>
-          </a:prstGeom>
-        </p:spPr>
-        <p:txBody>
-          <a:bodyPr wrap="none">
-            <a:spAutoFit/>
-          </a:bodyPr>
-          <a:lstStyle/>
-          <a:p>
-            <a:r>
-              <a:rPr lang="ko-KR" altLang="en-US" sz="2800" b="1" dirty="0">
-                <a:solidFill>
-                  <a:schemeClr val="accent1">
-                    <a:lumMod val="75000"/>
-                  </a:schemeClr>
-                </a:solidFill>
-                <a:latin typeface="나눔스퀘어" panose="020B0600000101010101" pitchFamily="50" charset="-127"/>
-                <a:ea typeface="나눔스퀘어" panose="020B0600000101010101" pitchFamily="50" charset="-127"/>
-                <a:cs typeface="Verdana" pitchFamily="34" charset="0"/>
-              </a:rPr>
-              <a:t>감사합니다</a:t>
-            </a:r>
-            <a:endParaRPr lang="ko-KR" altLang="en-US" sz="2800" b="1" dirty="0">
-              <a:solidFill>
-                <a:schemeClr val="accent1">
-                  <a:lumMod val="75000"/>
-                </a:schemeClr>
-              </a:solidFill>
-              <a:latin typeface="나눔스퀘어" panose="020B0600000101010101" pitchFamily="50" charset="-127"/>
-              <a:ea typeface="나눔스퀘어" panose="020B0600000101010101" pitchFamily="50" charset="-127"/>
-            </a:endParaRPr>
-          </a:p>
-        </p:txBody>
-      </p:sp>
-      <p:sp>
-        <p:nvSpPr>
-          <p:cNvPr id="3" name="슬라이드 번호 개체 틀 2">
-            <a:extLst>
-              <a:ext uri="{FF2B5EF4-FFF2-40B4-BE49-F238E27FC236}">
-                <a16:creationId xmlns:a16="http://schemas.microsoft.com/office/drawing/2014/main" id="{6AF80011-BDF3-8A03-CD45-0C7537EEBEED}"/>
-              </a:ext>
-            </a:extLst>
-          </p:cNvPr>
-          <p:cNvSpPr>
-            <a:spLocks noGrp="1"/>
-          </p:cNvSpPr>
-          <p:nvPr>
-            <p:ph type="sldNum" sz="quarter" idx="13"/>
-          </p:nvPr>
-        </p:nvSpPr>
-        <p:spPr/>
-        <p:txBody>
-          <a:bodyPr/>
-          <a:lstStyle/>
-          <a:p>
-            <a:fld id="{E1C4D39F-3D66-4B74-8EFE-169C2D4CE6DF}" type="slidenum">
-              <a:rPr lang="ko-KR" altLang="en-US" smtClean="0">
-                <a:solidFill>
-                  <a:prstClr val="black">
-                    <a:tint val="75000"/>
-                  </a:prstClr>
-                </a:solidFill>
-              </a:rPr>
-              <a:pPr/>
-              <a:t>20</a:t>
-            </a:fld>
-            <a:endParaRPr lang="ko-KR" altLang="en-US">
-              <a:solidFill>
-                <a:prstClr val="black">
-                  <a:tint val="75000"/>
-                </a:prstClr>
-              </a:solidFill>
-            </a:endParaRPr>
-          </a:p>
-        </p:txBody>
-      </p:sp>
-    </p:spTree>
-    <p:extLst>
-      <p:ext uri="{BB962C8B-B14F-4D97-AF65-F5344CB8AC3E}">
-        <p14:creationId xmlns:p14="http://schemas.microsoft.com/office/powerpoint/2010/main" val="18755796"/>
-      </p:ext>
-    </p:extLst>
-  </p:cSld>
-  <p:clrMapOvr>
-    <a:masterClrMapping/>
-  </p:clrMapOvr>
-</p:sld>
-</file>
-
 <file path=ppt/slides/slide3.xml><?xml version="1.0" encoding="utf-8"?>
 <p:sld xmlns:a="http://schemas.openxmlformats.org/drawingml/2006/main" xmlns:r="http://schemas.openxmlformats.org/officeDocument/2006/relationships" xmlns:p="http://schemas.openxmlformats.org/presentationml/2006/main">
   <p:cSld>
@@ -14931,7 +17005,7 @@
           <p:nvPr>
             <p:extLst>
               <p:ext uri="{D42A27DB-BD31-4B8C-83A1-F6EECF244321}">
-                <p14:modId xmlns:p14="http://schemas.microsoft.com/office/powerpoint/2010/main" val="3434789699"/>
+                <p14:modId xmlns:p14="http://schemas.microsoft.com/office/powerpoint/2010/main" val="2480861684"/>
               </p:ext>
             </p:extLst>
           </p:nvPr>
@@ -15451,10 +17525,6 @@
                   <a:txBody>
                     <a:bodyPr/>
                     <a:lstStyle/>
-                    <a:p>
-                      <a:pPr algn="ctr" latinLnBrk="1"/>
-                      <a:endParaRPr lang="en-US" altLang="ko-KR" dirty="0"/>
-                    </a:p>
                     <a:p>
                       <a:pPr algn="ctr" latinLnBrk="1"/>
                       <a:r>
@@ -15649,7 +17719,7 @@
           <p:nvPr/>
         </p:nvPicPr>
         <p:blipFill>
-          <a:blip r:embed="rId2"/>
+          <a:blip r:embed="rId3"/>
           <a:stretch>
             <a:fillRect/>
           </a:stretch>
@@ -16302,7 +18372,7 @@
           <p:nvPr/>
         </p:nvPicPr>
         <p:blipFill>
-          <a:blip r:embed="rId2"/>
+          <a:blip r:embed="rId3"/>
           <a:stretch>
             <a:fillRect/>
           </a:stretch>
@@ -17158,7 +19228,7 @@
           <p:nvPr/>
         </p:nvPicPr>
         <p:blipFill>
-          <a:blip r:embed="rId2"/>
+          <a:blip r:embed="rId3"/>
           <a:stretch>
             <a:fillRect/>
           </a:stretch>
